--- a/Email via Spring.pptx
+++ b/Email via Spring.pptx
@@ -557,6 +557,90 @@
     <p:extLst>
       <p:ext uri="{BB962C8B-B14F-4D97-AF65-F5344CB8AC3E}">
         <p14:creationId xmlns:p14="http://schemas.microsoft.com/office/powerpoint/2010/main" val="1495133884"/>
+      </p:ext>
+    </p:extLst>
+  </p:cSld>
+  <p:clrMapOvr>
+    <a:masterClrMapping/>
+  </p:clrMapOvr>
+</p:notes>
+</file>
+
+<file path=ppt/notesSlides/notesSlide2.xml><?xml version="1.0" encoding="utf-8"?>
+<p:notes xmlns:a="http://schemas.openxmlformats.org/drawingml/2006/main" xmlns:r="http://schemas.openxmlformats.org/officeDocument/2006/relationships" xmlns:p="http://schemas.openxmlformats.org/presentationml/2006/main">
+  <p:cSld>
+    <p:spTree>
+      <p:nvGrpSpPr>
+        <p:cNvPr id="1" name=""/>
+        <p:cNvGrpSpPr/>
+        <p:nvPr/>
+      </p:nvGrpSpPr>
+      <p:grpSpPr>
+        <a:xfrm>
+          <a:off x="0" y="0"/>
+          <a:ext cx="0" cy="0"/>
+          <a:chOff x="0" y="0"/>
+          <a:chExt cx="0" cy="0"/>
+        </a:xfrm>
+      </p:grpSpPr>
+      <p:sp>
+        <p:nvSpPr>
+          <p:cNvPr id="2" name="Slide Image Placeholder 1"/>
+          <p:cNvSpPr>
+            <a:spLocks noGrp="1" noRot="1" noChangeAspect="1"/>
+          </p:cNvSpPr>
+          <p:nvPr>
+            <p:ph type="sldImg"/>
+          </p:nvPr>
+        </p:nvSpPr>
+        <p:spPr/>
+      </p:sp>
+      <p:sp>
+        <p:nvSpPr>
+          <p:cNvPr id="3" name="Notes Placeholder 2"/>
+          <p:cNvSpPr>
+            <a:spLocks noGrp="1"/>
+          </p:cNvSpPr>
+          <p:nvPr>
+            <p:ph type="body" idx="1"/>
+          </p:nvPr>
+        </p:nvSpPr>
+        <p:spPr/>
+        <p:txBody>
+          <a:bodyPr/>
+          <a:lstStyle/>
+          <a:p>
+            <a:endParaRPr lang="en-IN"/>
+          </a:p>
+        </p:txBody>
+      </p:sp>
+      <p:sp>
+        <p:nvSpPr>
+          <p:cNvPr id="4" name="Slide Number Placeholder 3"/>
+          <p:cNvSpPr>
+            <a:spLocks noGrp="1"/>
+          </p:cNvSpPr>
+          <p:nvPr>
+            <p:ph type="sldNum" sz="quarter" idx="10"/>
+          </p:nvPr>
+        </p:nvSpPr>
+        <p:spPr/>
+        <p:txBody>
+          <a:bodyPr/>
+          <a:lstStyle/>
+          <a:p>
+            <a:fld id="{893B0CF2-7F87-4E02-A248-870047730F99}" type="slidenum">
+              <a:rPr lang="en-US" smtClean="0"/>
+              <a:t>18</a:t>
+            </a:fld>
+            <a:endParaRPr lang="en-US"/>
+          </a:p>
+        </p:txBody>
+      </p:sp>
+    </p:spTree>
+    <p:extLst>
+      <p:ext uri="{BB962C8B-B14F-4D97-AF65-F5344CB8AC3E}">
+        <p14:creationId xmlns:p14="http://schemas.microsoft.com/office/powerpoint/2010/main" val="2247507463"/>
       </p:ext>
     </p:extLst>
   </p:cSld>
@@ -879,7 +963,7 @@
           <a:bodyPr/>
           <a:lstStyle/>
           <a:p>
-            <a:fld id="{021A1D30-C0A0-4124-A783-34D9F15FA0FE}" type="datetime1">
+            <a:fld id="{E72531BF-C3B5-4970-8F4C-E47420B8810E}" type="datetime1">
               <a:rPr lang="en-US" smtClean="0"/>
               <a:t>11/3/2018</a:t>
             </a:fld>
@@ -903,8 +987,8 @@
           <a:lstStyle/>
           <a:p>
             <a:r>
-              <a:rPr lang="en-US" dirty="0" smtClean="0"/>
-              <a:t>Add a footer</a:t>
+              <a:rPr lang="en-US" smtClean="0"/>
+              <a:t>https://github.com/trainerpb</a:t>
             </a:r>
             <a:endParaRPr lang="en-US" dirty="0"/>
           </a:p>
@@ -1065,7 +1149,7 @@
           <a:bodyPr/>
           <a:lstStyle/>
           <a:p>
-            <a:fld id="{8D2D5871-AB0F-4B3D-8861-97E78CB7B47E}" type="datetime1">
+            <a:fld id="{6036C61F-BEDE-456F-8F48-3DDBCDFD3651}" type="datetime1">
               <a:rPr lang="en-US" smtClean="0"/>
               <a:t>11/3/2018</a:t>
             </a:fld>
@@ -1089,8 +1173,8 @@
           <a:lstStyle/>
           <a:p>
             <a:r>
-              <a:rPr lang="en-US" dirty="0" smtClean="0"/>
-              <a:t>Add a footer</a:t>
+              <a:rPr lang="en-US" smtClean="0"/>
+              <a:t>https://github.com/trainerpb</a:t>
             </a:r>
             <a:endParaRPr lang="en-US" dirty="0"/>
           </a:p>
@@ -1261,7 +1345,7 @@
           <a:bodyPr/>
           <a:lstStyle/>
           <a:p>
-            <a:fld id="{14418406-4C3F-4F3E-80BD-A22568EA37EB}" type="datetime1">
+            <a:fld id="{8E778E89-A779-40C1-9624-774D2368FB78}" type="datetime1">
               <a:rPr lang="en-US" smtClean="0"/>
               <a:t>11/3/2018</a:t>
             </a:fld>
@@ -1285,8 +1369,8 @@
           <a:lstStyle/>
           <a:p>
             <a:r>
-              <a:rPr lang="en-US" dirty="0" smtClean="0"/>
-              <a:t>Add a footer</a:t>
+              <a:rPr lang="en-US" smtClean="0"/>
+              <a:t>https://github.com/trainerpb</a:t>
             </a:r>
             <a:endParaRPr lang="en-US" dirty="0"/>
           </a:p>
@@ -1447,7 +1531,7 @@
           <a:bodyPr/>
           <a:lstStyle/>
           <a:p>
-            <a:fld id="{65F28077-7188-48C5-8679-2287FAC952E9}" type="datetime1">
+            <a:fld id="{E5BEB4CC-64FC-4B06-99CF-41CBD7F71053}" type="datetime1">
               <a:rPr lang="en-US" smtClean="0"/>
               <a:t>11/3/2018</a:t>
             </a:fld>
@@ -1471,8 +1555,8 @@
           <a:lstStyle/>
           <a:p>
             <a:r>
-              <a:rPr lang="en-US" dirty="0" smtClean="0"/>
-              <a:t>Add a footer</a:t>
+              <a:rPr lang="en-US" smtClean="0"/>
+              <a:t>https://github.com/trainerpb</a:t>
             </a:r>
             <a:endParaRPr lang="en-US" dirty="0"/>
           </a:p>
@@ -1696,7 +1780,7 @@
           <a:bodyPr/>
           <a:lstStyle/>
           <a:p>
-            <a:fld id="{D2DCB740-6776-4EE9-99FD-96D592FA5A23}" type="datetime1">
+            <a:fld id="{088A4872-3FFA-4406-885C-D874EB0CD011}" type="datetime1">
               <a:rPr lang="en-US" smtClean="0"/>
               <a:t>11/3/2018</a:t>
             </a:fld>
@@ -1720,8 +1804,8 @@
           <a:lstStyle/>
           <a:p>
             <a:r>
-              <a:rPr lang="en-US" dirty="0" smtClean="0"/>
-              <a:t>Add a footer</a:t>
+              <a:rPr lang="en-US" smtClean="0"/>
+              <a:t>https://github.com/trainerpb</a:t>
             </a:r>
             <a:endParaRPr lang="en-US" dirty="0"/>
           </a:p>
@@ -1981,7 +2065,7 @@
           <a:bodyPr/>
           <a:lstStyle/>
           <a:p>
-            <a:fld id="{05F6BD99-6FFD-46C5-B5E2-43A34BDA2566}" type="datetime1">
+            <a:fld id="{C837A63A-37DB-437F-A946-7BFD12A036F7}" type="datetime1">
               <a:rPr lang="en-US" smtClean="0"/>
               <a:t>11/3/2018</a:t>
             </a:fld>
@@ -2005,8 +2089,8 @@
           <a:lstStyle/>
           <a:p>
             <a:r>
-              <a:rPr lang="en-US" dirty="0" smtClean="0"/>
-              <a:t>Add a footer</a:t>
+              <a:rPr lang="en-US" smtClean="0"/>
+              <a:t>https://github.com/trainerpb</a:t>
             </a:r>
             <a:endParaRPr lang="en-US" dirty="0"/>
           </a:p>
@@ -2380,7 +2464,7 @@
           <a:bodyPr/>
           <a:lstStyle/>
           <a:p>
-            <a:fld id="{E022678E-214C-4CF8-97C7-95015FB02960}" type="datetime1">
+            <a:fld id="{05A48226-0558-4BC9-A4EE-FDC71DF62D4A}" type="datetime1">
               <a:rPr lang="en-US" smtClean="0"/>
               <a:t>11/3/2018</a:t>
             </a:fld>
@@ -2404,8 +2488,8 @@
           <a:lstStyle/>
           <a:p>
             <a:r>
-              <a:rPr lang="en-US" dirty="0" smtClean="0"/>
-              <a:t>Add a footer</a:t>
+              <a:rPr lang="en-US" smtClean="0"/>
+              <a:t>https://github.com/trainerpb</a:t>
             </a:r>
             <a:endParaRPr lang="en-US" dirty="0"/>
           </a:p>
@@ -2551,7 +2635,7 @@
           <a:bodyPr/>
           <a:lstStyle/>
           <a:p>
-            <a:fld id="{D55660E0-FA77-4473-A859-74127B089143}" type="datetime1">
+            <a:fld id="{D91A6B58-DF04-4A87-BE1E-7EF33C74DEF9}" type="datetime1">
               <a:rPr lang="en-US" smtClean="0"/>
               <a:t>11/3/2018</a:t>
             </a:fld>
@@ -2575,8 +2659,8 @@
           <a:lstStyle/>
           <a:p>
             <a:r>
-              <a:rPr lang="en-US" dirty="0" smtClean="0"/>
-              <a:t>Add a footer</a:t>
+              <a:rPr lang="en-US" smtClean="0"/>
+              <a:t>https://github.com/trainerpb</a:t>
             </a:r>
             <a:endParaRPr lang="en-US" dirty="0"/>
           </a:p>
@@ -2662,7 +2746,7 @@
           <a:bodyPr/>
           <a:lstStyle/>
           <a:p>
-            <a:fld id="{3188D7B8-9F07-4899-827D-5F3CFDDEB574}" type="datetime1">
+            <a:fld id="{33C723E7-C0DD-4DCD-8DBB-1D249CB633CA}" type="datetime1">
               <a:rPr lang="en-US" smtClean="0"/>
               <a:t>11/3/2018</a:t>
             </a:fld>
@@ -2686,8 +2770,8 @@
           <a:lstStyle/>
           <a:p>
             <a:r>
-              <a:rPr lang="en-US" dirty="0" smtClean="0"/>
-              <a:t>Add a footer</a:t>
+              <a:rPr lang="en-US" smtClean="0"/>
+              <a:t>https://github.com/trainerpb</a:t>
             </a:r>
             <a:endParaRPr lang="en-US" dirty="0"/>
           </a:p>
@@ -2944,7 +3028,7 @@
           <a:bodyPr/>
           <a:lstStyle/>
           <a:p>
-            <a:fld id="{B5197C5C-1CD1-417D-A89C-14747F5222C7}" type="datetime1">
+            <a:fld id="{953B6F80-3AFA-4F45-97C4-E904FF0E435C}" type="datetime1">
               <a:rPr lang="en-US" smtClean="0"/>
               <a:t>11/3/2018</a:t>
             </a:fld>
@@ -2968,8 +3052,8 @@
           <a:lstStyle/>
           <a:p>
             <a:r>
-              <a:rPr lang="en-US" dirty="0" smtClean="0"/>
-              <a:t>Add a footer</a:t>
+              <a:rPr lang="en-US" smtClean="0"/>
+              <a:t>https://github.com/trainerpb</a:t>
             </a:r>
             <a:endParaRPr lang="en-US" dirty="0"/>
           </a:p>
@@ -3299,7 +3383,7 @@
           <a:bodyPr/>
           <a:lstStyle/>
           <a:p>
-            <a:fld id="{1359EFBB-CFA1-4AA8-9123-F0B52DBD84FE}" type="datetime1">
+            <a:fld id="{5C260DD3-5FE4-4EB5-B089-3E62944F97F4}" type="datetime1">
               <a:rPr lang="en-US" smtClean="0"/>
               <a:t>11/3/2018</a:t>
             </a:fld>
@@ -3323,8 +3407,8 @@
           <a:lstStyle/>
           <a:p>
             <a:r>
-              <a:rPr lang="en-US" dirty="0" smtClean="0"/>
-              <a:t>Add a footer</a:t>
+              <a:rPr lang="en-US" smtClean="0"/>
+              <a:t>https://github.com/trainerpb</a:t>
             </a:r>
             <a:endParaRPr lang="en-US" dirty="0"/>
           </a:p>
@@ -4333,9 +4417,8 @@
             </a:lvl1pPr>
           </a:lstStyle>
           <a:p>
-            <a:fld id="{61146459-E3C3-4969-9224-5ED50B492D17}" type="datetime1">
+            <a:fld id="{8CFB6EB8-AB7B-434F-8005-9FDA773FFED9}" type="datetime1">
               <a:rPr lang="en-US" smtClean="0"/>
-              <a:pPr/>
               <a:t>11/3/2018</a:t>
             </a:fld>
             <a:endParaRPr lang="en-US" dirty="0"/>
@@ -4374,8 +4457,8 @@
           </a:lstStyle>
           <a:p>
             <a:r>
-              <a:rPr lang="en-US" dirty="0" smtClean="0"/>
-              <a:t>Add a footer</a:t>
+              <a:rPr lang="en-US" smtClean="0"/>
+              <a:t>https://github.com/trainerpb</a:t>
             </a:r>
             <a:endParaRPr lang="en-US" dirty="0"/>
           </a:p>
@@ -4461,7 +4544,7 @@
       </p:par>
     </p:tnLst>
   </p:timing>
-  <p:hf sldNum="0" hdr="0" ftr="0" dt="0"/>
+  <p:hf hdr="0" dt="0"/>
   <p:txStyles>
     <p:titleStyle>
       <a:lvl1pPr algn="l" rtl="0" eaLnBrk="1" latinLnBrk="0" hangingPunct="1">
@@ -4837,6 +4920,52 @@
           </a:p>
         </p:txBody>
       </p:sp>
+      <p:sp>
+        <p:nvSpPr>
+          <p:cNvPr id="2" name="Footer Placeholder 1"/>
+          <p:cNvSpPr>
+            <a:spLocks noGrp="1"/>
+          </p:cNvSpPr>
+          <p:nvPr>
+            <p:ph type="ftr" sz="quarter" idx="11"/>
+          </p:nvPr>
+        </p:nvSpPr>
+        <p:spPr/>
+        <p:txBody>
+          <a:bodyPr/>
+          <a:lstStyle/>
+          <a:p>
+            <a:r>
+              <a:rPr lang="en-US" smtClean="0"/>
+              <a:t>https://github.com/trainerpb</a:t>
+            </a:r>
+            <a:endParaRPr lang="en-US" dirty="0"/>
+          </a:p>
+        </p:txBody>
+      </p:sp>
+      <p:sp>
+        <p:nvSpPr>
+          <p:cNvPr id="3" name="Slide Number Placeholder 2"/>
+          <p:cNvSpPr>
+            <a:spLocks noGrp="1"/>
+          </p:cNvSpPr>
+          <p:nvPr>
+            <p:ph type="sldNum" sz="quarter" idx="12"/>
+          </p:nvPr>
+        </p:nvSpPr>
+        <p:spPr/>
+        <p:txBody>
+          <a:bodyPr/>
+          <a:lstStyle/>
+          <a:p>
+            <a:fld id="{401CF334-2D5C-4859-84A6-CA7E6E43FAEB}" type="slidenum">
+              <a:rPr lang="en-US" smtClean="0"/>
+              <a:t>1</a:t>
+            </a:fld>
+            <a:endParaRPr lang="en-US"/>
+          </a:p>
+        </p:txBody>
+      </p:sp>
     </p:spTree>
     <p:extLst>
       <p:ext uri="{BB962C8B-B14F-4D97-AF65-F5344CB8AC3E}">
@@ -5033,6 +5162,52 @@
           </a:prstGeom>
         </p:spPr>
       </p:pic>
+      <p:sp>
+        <p:nvSpPr>
+          <p:cNvPr id="4" name="Footer Placeholder 3"/>
+          <p:cNvSpPr>
+            <a:spLocks noGrp="1"/>
+          </p:cNvSpPr>
+          <p:nvPr>
+            <p:ph type="ftr" sz="quarter" idx="11"/>
+          </p:nvPr>
+        </p:nvSpPr>
+        <p:spPr/>
+        <p:txBody>
+          <a:bodyPr/>
+          <a:lstStyle/>
+          <a:p>
+            <a:r>
+              <a:rPr lang="en-US" smtClean="0"/>
+              <a:t>https://github.com/trainerpb</a:t>
+            </a:r>
+            <a:endParaRPr lang="en-US" dirty="0"/>
+          </a:p>
+        </p:txBody>
+      </p:sp>
+      <p:sp>
+        <p:nvSpPr>
+          <p:cNvPr id="5" name="Slide Number Placeholder 4"/>
+          <p:cNvSpPr>
+            <a:spLocks noGrp="1"/>
+          </p:cNvSpPr>
+          <p:nvPr>
+            <p:ph type="sldNum" sz="quarter" idx="12"/>
+          </p:nvPr>
+        </p:nvSpPr>
+        <p:spPr/>
+        <p:txBody>
+          <a:bodyPr/>
+          <a:lstStyle/>
+          <a:p>
+            <a:fld id="{401CF334-2D5C-4859-84A6-CA7E6E43FAEB}" type="slidenum">
+              <a:rPr lang="en-US" smtClean="0"/>
+              <a:t>10</a:t>
+            </a:fld>
+            <a:endParaRPr lang="en-US"/>
+          </a:p>
+        </p:txBody>
+      </p:sp>
     </p:spTree>
     <p:extLst>
       <p:ext uri="{BB962C8B-B14F-4D97-AF65-F5344CB8AC3E}">
@@ -5043,13 +5218,13 @@
   <p:clrMapOvr>
     <a:masterClrMapping/>
   </p:clrMapOvr>
-  <mc:AlternateContent xmlns:mc="http://schemas.openxmlformats.org/markup-compatibility/2006">
-    <mc:Choice xmlns:p14="http://schemas.microsoft.com/office/powerpoint/2010/main" Requires="p14">
+  <mc:AlternateContent xmlns:mc="http://schemas.openxmlformats.org/markup-compatibility/2006" xmlns:p14="http://schemas.microsoft.com/office/powerpoint/2010/main">
+    <mc:Choice Requires="p14">
       <p:transition spd="med" p14:dur="700">
         <p:fade/>
       </p:transition>
     </mc:Choice>
-    <mc:Fallback>
+    <mc:Fallback xmlns="">
       <p:transition spd="med">
         <p:fade/>
       </p:transition>
@@ -5443,6 +5618,52 @@
           </a:prstGeom>
         </p:spPr>
       </p:pic>
+      <p:sp>
+        <p:nvSpPr>
+          <p:cNvPr id="6" name="Footer Placeholder 5"/>
+          <p:cNvSpPr>
+            <a:spLocks noGrp="1"/>
+          </p:cNvSpPr>
+          <p:nvPr>
+            <p:ph type="ftr" sz="quarter" idx="11"/>
+          </p:nvPr>
+        </p:nvSpPr>
+        <p:spPr/>
+        <p:txBody>
+          <a:bodyPr/>
+          <a:lstStyle/>
+          <a:p>
+            <a:r>
+              <a:rPr lang="en-US" smtClean="0"/>
+              <a:t>https://github.com/trainerpb</a:t>
+            </a:r>
+            <a:endParaRPr lang="en-US" dirty="0"/>
+          </a:p>
+        </p:txBody>
+      </p:sp>
+      <p:sp>
+        <p:nvSpPr>
+          <p:cNvPr id="8" name="Slide Number Placeholder 7"/>
+          <p:cNvSpPr>
+            <a:spLocks noGrp="1"/>
+          </p:cNvSpPr>
+          <p:nvPr>
+            <p:ph type="sldNum" sz="quarter" idx="12"/>
+          </p:nvPr>
+        </p:nvSpPr>
+        <p:spPr/>
+        <p:txBody>
+          <a:bodyPr/>
+          <a:lstStyle/>
+          <a:p>
+            <a:fld id="{401CF334-2D5C-4859-84A6-CA7E6E43FAEB}" type="slidenum">
+              <a:rPr lang="en-US" smtClean="0"/>
+              <a:t>11</a:t>
+            </a:fld>
+            <a:endParaRPr lang="en-US"/>
+          </a:p>
+        </p:txBody>
+      </p:sp>
     </p:spTree>
     <p:extLst>
       <p:ext uri="{BB962C8B-B14F-4D97-AF65-F5344CB8AC3E}">
@@ -5453,13 +5674,13 @@
   <p:clrMapOvr>
     <a:masterClrMapping/>
   </p:clrMapOvr>
-  <mc:AlternateContent xmlns:mc="http://schemas.openxmlformats.org/markup-compatibility/2006">
-    <mc:Choice xmlns:p14="http://schemas.microsoft.com/office/powerpoint/2010/main" Requires="p14">
+  <mc:AlternateContent xmlns:mc="http://schemas.openxmlformats.org/markup-compatibility/2006" xmlns:p14="http://schemas.microsoft.com/office/powerpoint/2010/main">
+    <mc:Choice Requires="p14">
       <p:transition spd="med" p14:dur="700">
         <p:fade/>
       </p:transition>
     </mc:Choice>
-    <mc:Fallback>
+    <mc:Fallback xmlns="">
       <p:transition spd="med">
         <p:fade/>
       </p:transition>
@@ -6145,6 +6366,52 @@
           </a:sp3d>
         </p:spPr>
       </p:pic>
+      <p:sp>
+        <p:nvSpPr>
+          <p:cNvPr id="4" name="Footer Placeholder 3"/>
+          <p:cNvSpPr>
+            <a:spLocks noGrp="1"/>
+          </p:cNvSpPr>
+          <p:nvPr>
+            <p:ph type="ftr" sz="quarter" idx="11"/>
+          </p:nvPr>
+        </p:nvSpPr>
+        <p:spPr/>
+        <p:txBody>
+          <a:bodyPr/>
+          <a:lstStyle/>
+          <a:p>
+            <a:r>
+              <a:rPr lang="en-US" smtClean="0"/>
+              <a:t>https://github.com/trainerpb</a:t>
+            </a:r>
+            <a:endParaRPr lang="en-US" dirty="0"/>
+          </a:p>
+        </p:txBody>
+      </p:sp>
+      <p:sp>
+        <p:nvSpPr>
+          <p:cNvPr id="5" name="Slide Number Placeholder 4"/>
+          <p:cNvSpPr>
+            <a:spLocks noGrp="1"/>
+          </p:cNvSpPr>
+          <p:nvPr>
+            <p:ph type="sldNum" sz="quarter" idx="12"/>
+          </p:nvPr>
+        </p:nvSpPr>
+        <p:spPr/>
+        <p:txBody>
+          <a:bodyPr/>
+          <a:lstStyle/>
+          <a:p>
+            <a:fld id="{401CF334-2D5C-4859-84A6-CA7E6E43FAEB}" type="slidenum">
+              <a:rPr lang="en-US" smtClean="0"/>
+              <a:t>12</a:t>
+            </a:fld>
+            <a:endParaRPr lang="en-US"/>
+          </a:p>
+        </p:txBody>
+      </p:sp>
     </p:spTree>
     <p:extLst>
       <p:ext uri="{BB962C8B-B14F-4D97-AF65-F5344CB8AC3E}">
@@ -6155,13 +6422,13 @@
   <p:clrMapOvr>
     <a:masterClrMapping/>
   </p:clrMapOvr>
-  <mc:AlternateContent xmlns:mc="http://schemas.openxmlformats.org/markup-compatibility/2006">
-    <mc:Choice xmlns:p14="http://schemas.microsoft.com/office/powerpoint/2010/main" Requires="p14">
+  <mc:AlternateContent xmlns:mc="http://schemas.openxmlformats.org/markup-compatibility/2006" xmlns:p14="http://schemas.microsoft.com/office/powerpoint/2010/main">
+    <mc:Choice Requires="p14">
       <p:transition spd="med" p14:dur="700">
         <p:fade/>
       </p:transition>
     </mc:Choice>
-    <mc:Fallback>
+    <mc:Fallback xmlns="">
       <p:transition spd="med">
         <p:fade/>
       </p:transition>
@@ -6304,6 +6571,52 @@
           </a:prstGeom>
         </p:spPr>
       </p:pic>
+      <p:sp>
+        <p:nvSpPr>
+          <p:cNvPr id="5" name="Footer Placeholder 4"/>
+          <p:cNvSpPr>
+            <a:spLocks noGrp="1"/>
+          </p:cNvSpPr>
+          <p:nvPr>
+            <p:ph type="ftr" sz="quarter" idx="11"/>
+          </p:nvPr>
+        </p:nvSpPr>
+        <p:spPr/>
+        <p:txBody>
+          <a:bodyPr/>
+          <a:lstStyle/>
+          <a:p>
+            <a:r>
+              <a:rPr lang="en-US" smtClean="0"/>
+              <a:t>https://github.com/trainerpb</a:t>
+            </a:r>
+            <a:endParaRPr lang="en-US" dirty="0"/>
+          </a:p>
+        </p:txBody>
+      </p:sp>
+      <p:sp>
+        <p:nvSpPr>
+          <p:cNvPr id="6" name="Slide Number Placeholder 5"/>
+          <p:cNvSpPr>
+            <a:spLocks noGrp="1"/>
+          </p:cNvSpPr>
+          <p:nvPr>
+            <p:ph type="sldNum" sz="quarter" idx="12"/>
+          </p:nvPr>
+        </p:nvSpPr>
+        <p:spPr/>
+        <p:txBody>
+          <a:bodyPr/>
+          <a:lstStyle/>
+          <a:p>
+            <a:fld id="{401CF334-2D5C-4859-84A6-CA7E6E43FAEB}" type="slidenum">
+              <a:rPr lang="en-US" smtClean="0"/>
+              <a:t>13</a:t>
+            </a:fld>
+            <a:endParaRPr lang="en-US"/>
+          </a:p>
+        </p:txBody>
+      </p:sp>
     </p:spTree>
     <p:extLst>
       <p:ext uri="{BB962C8B-B14F-4D97-AF65-F5344CB8AC3E}">
@@ -6314,13 +6627,13 @@
   <p:clrMapOvr>
     <a:masterClrMapping/>
   </p:clrMapOvr>
-  <mc:AlternateContent xmlns:mc="http://schemas.openxmlformats.org/markup-compatibility/2006">
-    <mc:Choice xmlns:p14="http://schemas.microsoft.com/office/powerpoint/2010/main" Requires="p14">
+  <mc:AlternateContent xmlns:mc="http://schemas.openxmlformats.org/markup-compatibility/2006" xmlns:p14="http://schemas.microsoft.com/office/powerpoint/2010/main">
+    <mc:Choice Requires="p14">
       <p:transition spd="med" p14:dur="700">
         <p:fade/>
       </p:transition>
     </mc:Choice>
-    <mc:Fallback>
+    <mc:Fallback xmlns="">
       <p:transition spd="med">
         <p:fade/>
       </p:transition>
@@ -6430,11 +6743,6 @@
               </a:rPr>
               <a:t>NO</a:t>
             </a:r>
-            <a:endParaRPr lang="en-US" b="1" dirty="0">
-              <a:solidFill>
-                <a:srgbClr val="C00000"/>
-              </a:solidFill>
-            </a:endParaRPr>
           </a:p>
           <a:p>
             <a:pPr lvl="1"/>
@@ -6448,11 +6756,7 @@
             </a:r>
             <a:r>
               <a:rPr lang="en-US" dirty="0" smtClean="0"/>
-              <a:t> </a:t>
-            </a:r>
-            <a:r>
-              <a:rPr lang="en-US" dirty="0" smtClean="0"/>
-              <a:t>?</a:t>
+              <a:t> ?</a:t>
             </a:r>
             <a:endParaRPr lang="en-US" dirty="0"/>
           </a:p>
@@ -6522,6 +6826,52 @@
               <a:t> web service that can be consumed by each of the modules </a:t>
             </a:r>
             <a:endParaRPr lang="en-US" dirty="0"/>
+          </a:p>
+        </p:txBody>
+      </p:sp>
+      <p:sp>
+        <p:nvSpPr>
+          <p:cNvPr id="4" name="Footer Placeholder 3"/>
+          <p:cNvSpPr>
+            <a:spLocks noGrp="1"/>
+          </p:cNvSpPr>
+          <p:nvPr>
+            <p:ph type="ftr" sz="quarter" idx="11"/>
+          </p:nvPr>
+        </p:nvSpPr>
+        <p:spPr/>
+        <p:txBody>
+          <a:bodyPr/>
+          <a:lstStyle/>
+          <a:p>
+            <a:r>
+              <a:rPr lang="en-US" smtClean="0"/>
+              <a:t>https://github.com/trainerpb</a:t>
+            </a:r>
+            <a:endParaRPr lang="en-US" dirty="0"/>
+          </a:p>
+        </p:txBody>
+      </p:sp>
+      <p:sp>
+        <p:nvSpPr>
+          <p:cNvPr id="5" name="Slide Number Placeholder 4"/>
+          <p:cNvSpPr>
+            <a:spLocks noGrp="1"/>
+          </p:cNvSpPr>
+          <p:nvPr>
+            <p:ph type="sldNum" sz="quarter" idx="12"/>
+          </p:nvPr>
+        </p:nvSpPr>
+        <p:spPr/>
+        <p:txBody>
+          <a:bodyPr/>
+          <a:lstStyle/>
+          <a:p>
+            <a:fld id="{401CF334-2D5C-4859-84A6-CA7E6E43FAEB}" type="slidenum">
+              <a:rPr lang="en-US" smtClean="0"/>
+              <a:t>14</a:t>
+            </a:fld>
+            <a:endParaRPr lang="en-US"/>
           </a:p>
         </p:txBody>
       </p:sp>
@@ -7521,6 +7871,52 @@
           </a:p>
         </p:txBody>
       </p:sp>
+      <p:sp>
+        <p:nvSpPr>
+          <p:cNvPr id="4" name="Footer Placeholder 3"/>
+          <p:cNvSpPr>
+            <a:spLocks noGrp="1"/>
+          </p:cNvSpPr>
+          <p:nvPr>
+            <p:ph type="ftr" sz="quarter" idx="11"/>
+          </p:nvPr>
+        </p:nvSpPr>
+        <p:spPr/>
+        <p:txBody>
+          <a:bodyPr/>
+          <a:lstStyle/>
+          <a:p>
+            <a:r>
+              <a:rPr lang="en-US" smtClean="0"/>
+              <a:t>https://github.com/trainerpb</a:t>
+            </a:r>
+            <a:endParaRPr lang="en-US" dirty="0"/>
+          </a:p>
+        </p:txBody>
+      </p:sp>
+      <p:sp>
+        <p:nvSpPr>
+          <p:cNvPr id="5" name="Slide Number Placeholder 4"/>
+          <p:cNvSpPr>
+            <a:spLocks noGrp="1"/>
+          </p:cNvSpPr>
+          <p:nvPr>
+            <p:ph type="sldNum" sz="quarter" idx="12"/>
+          </p:nvPr>
+        </p:nvSpPr>
+        <p:spPr/>
+        <p:txBody>
+          <a:bodyPr/>
+          <a:lstStyle/>
+          <a:p>
+            <a:fld id="{401CF334-2D5C-4859-84A6-CA7E6E43FAEB}" type="slidenum">
+              <a:rPr lang="en-US" smtClean="0"/>
+              <a:t>15</a:t>
+            </a:fld>
+            <a:endParaRPr lang="en-US"/>
+          </a:p>
+        </p:txBody>
+      </p:sp>
     </p:spTree>
     <p:extLst>
       <p:ext uri="{BB962C8B-B14F-4D97-AF65-F5344CB8AC3E}">
@@ -7707,6 +8103,52 @@
           </a:p>
         </p:txBody>
       </p:sp>
+      <p:sp>
+        <p:nvSpPr>
+          <p:cNvPr id="4" name="Footer Placeholder 3"/>
+          <p:cNvSpPr>
+            <a:spLocks noGrp="1"/>
+          </p:cNvSpPr>
+          <p:nvPr>
+            <p:ph type="ftr" sz="quarter" idx="11"/>
+          </p:nvPr>
+        </p:nvSpPr>
+        <p:spPr/>
+        <p:txBody>
+          <a:bodyPr/>
+          <a:lstStyle/>
+          <a:p>
+            <a:r>
+              <a:rPr lang="en-US" smtClean="0"/>
+              <a:t>https://github.com/trainerpb</a:t>
+            </a:r>
+            <a:endParaRPr lang="en-US" dirty="0"/>
+          </a:p>
+        </p:txBody>
+      </p:sp>
+      <p:sp>
+        <p:nvSpPr>
+          <p:cNvPr id="5" name="Slide Number Placeholder 4"/>
+          <p:cNvSpPr>
+            <a:spLocks noGrp="1"/>
+          </p:cNvSpPr>
+          <p:nvPr>
+            <p:ph type="sldNum" sz="quarter" idx="12"/>
+          </p:nvPr>
+        </p:nvSpPr>
+        <p:spPr/>
+        <p:txBody>
+          <a:bodyPr/>
+          <a:lstStyle/>
+          <a:p>
+            <a:fld id="{401CF334-2D5C-4859-84A6-CA7E6E43FAEB}" type="slidenum">
+              <a:rPr lang="en-US" smtClean="0"/>
+              <a:t>16</a:t>
+            </a:fld>
+            <a:endParaRPr lang="en-US"/>
+          </a:p>
+        </p:txBody>
+      </p:sp>
     </p:spTree>
     <p:extLst>
       <p:ext uri="{BB962C8B-B14F-4D97-AF65-F5344CB8AC3E}">
@@ -7868,13 +8310,58 @@
               <a:rPr lang="en-US" dirty="0" smtClean="0"/>
               <a:t>) </a:t>
             </a:r>
-            <a:endParaRPr lang="en-US" dirty="0" smtClean="0"/>
           </a:p>
           <a:p>
             <a:pPr marL="393192" lvl="1" indent="0">
               <a:buNone/>
             </a:pPr>
             <a:endParaRPr lang="en-US" dirty="0"/>
+          </a:p>
+        </p:txBody>
+      </p:sp>
+      <p:sp>
+        <p:nvSpPr>
+          <p:cNvPr id="4" name="Footer Placeholder 3"/>
+          <p:cNvSpPr>
+            <a:spLocks noGrp="1"/>
+          </p:cNvSpPr>
+          <p:nvPr>
+            <p:ph type="ftr" sz="quarter" idx="11"/>
+          </p:nvPr>
+        </p:nvSpPr>
+        <p:spPr/>
+        <p:txBody>
+          <a:bodyPr/>
+          <a:lstStyle/>
+          <a:p>
+            <a:r>
+              <a:rPr lang="en-US" sz="2400" dirty="0" smtClean="0"/>
+              <a:t>https://github.com/trainerpb</a:t>
+            </a:r>
+            <a:endParaRPr lang="en-US" sz="2400" dirty="0"/>
+          </a:p>
+        </p:txBody>
+      </p:sp>
+      <p:sp>
+        <p:nvSpPr>
+          <p:cNvPr id="5" name="Slide Number Placeholder 4"/>
+          <p:cNvSpPr>
+            <a:spLocks noGrp="1"/>
+          </p:cNvSpPr>
+          <p:nvPr>
+            <p:ph type="sldNum" sz="quarter" idx="12"/>
+          </p:nvPr>
+        </p:nvSpPr>
+        <p:spPr/>
+        <p:txBody>
+          <a:bodyPr/>
+          <a:lstStyle/>
+          <a:p>
+            <a:fld id="{401CF334-2D5C-4859-84A6-CA7E6E43FAEB}" type="slidenum">
+              <a:rPr lang="en-US" smtClean="0"/>
+              <a:t>17</a:t>
+            </a:fld>
+            <a:endParaRPr lang="en-US"/>
           </a:p>
         </p:txBody>
       </p:sp>
@@ -7959,7 +8446,7 @@
           <p:nvPr/>
         </p:nvPicPr>
         <p:blipFill>
-          <a:blip r:embed="rId2">
+          <a:blip r:embed="rId3">
             <a:extLst>
               <a:ext uri="{28A0092B-C50C-407E-A947-70E740481C1C}">
                 <a14:useLocalDpi xmlns:a14="http://schemas.microsoft.com/office/drawing/2010/main" val="0"/>
@@ -7991,6 +8478,60 @@
           </a:extLst>
         </p:spPr>
       </p:pic>
+      <p:sp>
+        <p:nvSpPr>
+          <p:cNvPr id="3" name="Footer Placeholder 2"/>
+          <p:cNvSpPr>
+            <a:spLocks noGrp="1"/>
+          </p:cNvSpPr>
+          <p:nvPr>
+            <p:ph type="ftr" sz="quarter" idx="11"/>
+          </p:nvPr>
+        </p:nvSpPr>
+        <p:spPr>
+          <a:xfrm>
+            <a:off x="3556000" y="6356351"/>
+            <a:ext cx="6180428" cy="365125"/>
+          </a:xfrm>
+        </p:spPr>
+        <p:txBody>
+          <a:bodyPr/>
+          <a:lstStyle/>
+          <a:p>
+            <a:r>
+              <a:rPr lang="en-US" sz="3600" dirty="0" smtClean="0">
+                <a:solidFill>
+                  <a:srgbClr val="FF0000"/>
+                </a:solidFill>
+              </a:rPr>
+              <a:t>https://github.com/trainerpb</a:t>
+            </a:r>
+          </a:p>
+        </p:txBody>
+      </p:sp>
+      <p:sp>
+        <p:nvSpPr>
+          <p:cNvPr id="4" name="Slide Number Placeholder 3"/>
+          <p:cNvSpPr>
+            <a:spLocks noGrp="1"/>
+          </p:cNvSpPr>
+          <p:nvPr>
+            <p:ph type="sldNum" sz="quarter" idx="12"/>
+          </p:nvPr>
+        </p:nvSpPr>
+        <p:spPr/>
+        <p:txBody>
+          <a:bodyPr/>
+          <a:lstStyle/>
+          <a:p>
+            <a:fld id="{401CF334-2D5C-4859-84A6-CA7E6E43FAEB}" type="slidenum">
+              <a:rPr lang="en-US" smtClean="0"/>
+              <a:t>18</a:t>
+            </a:fld>
+            <a:endParaRPr lang="en-US"/>
+          </a:p>
+        </p:txBody>
+      </p:sp>
     </p:spTree>
     <p:extLst>
       <p:ext uri="{BB962C8B-B14F-4D97-AF65-F5344CB8AC3E}">
@@ -8001,13 +8542,13 @@
   <p:clrMapOvr>
     <a:masterClrMapping/>
   </p:clrMapOvr>
-  <mc:AlternateContent xmlns:mc="http://schemas.openxmlformats.org/markup-compatibility/2006">
-    <mc:Choice xmlns:p14="http://schemas.microsoft.com/office/powerpoint/2010/main" Requires="p14">
+  <mc:AlternateContent xmlns:mc="http://schemas.openxmlformats.org/markup-compatibility/2006" xmlns:p14="http://schemas.microsoft.com/office/powerpoint/2010/main">
+    <mc:Choice Requires="p14">
       <p:transition spd="med" p14:dur="700">
         <p:fade/>
       </p:transition>
     </mc:Choice>
-    <mc:Fallback>
+    <mc:Fallback xmlns="">
       <p:transition spd="med">
         <p:fade/>
       </p:transition>
@@ -8138,16 +8679,11 @@
               <a:rPr lang="en-US" dirty="0" smtClean="0"/>
               <a:t>systems</a:t>
             </a:r>
-            <a:endParaRPr lang="en-US" dirty="0" smtClean="0"/>
           </a:p>
           <a:p>
             <a:r>
               <a:rPr lang="en-US" dirty="0" smtClean="0"/>
-              <a:t>Tightening seat belts-  We’d be flying to </a:t>
-            </a:r>
-            <a:r>
-              <a:rPr lang="en-US" dirty="0" smtClean="0"/>
-              <a:t>the world of </a:t>
+              <a:t>Tightening seat belts-  We’d be flying to the world of </a:t>
             </a:r>
             <a:r>
               <a:rPr lang="en-US" i="1" dirty="0" smtClean="0"/>
@@ -8161,6 +8697,52 @@
           </a:p>
           <a:p>
             <a:endParaRPr lang="en-US" dirty="0"/>
+          </a:p>
+        </p:txBody>
+      </p:sp>
+      <p:sp>
+        <p:nvSpPr>
+          <p:cNvPr id="4" name="Footer Placeholder 3"/>
+          <p:cNvSpPr>
+            <a:spLocks noGrp="1"/>
+          </p:cNvSpPr>
+          <p:nvPr>
+            <p:ph type="ftr" sz="quarter" idx="11"/>
+          </p:nvPr>
+        </p:nvSpPr>
+        <p:spPr/>
+        <p:txBody>
+          <a:bodyPr/>
+          <a:lstStyle/>
+          <a:p>
+            <a:r>
+              <a:rPr lang="en-US" smtClean="0"/>
+              <a:t>https://github.com/trainerpb</a:t>
+            </a:r>
+            <a:endParaRPr lang="en-US" dirty="0"/>
+          </a:p>
+        </p:txBody>
+      </p:sp>
+      <p:sp>
+        <p:nvSpPr>
+          <p:cNvPr id="5" name="Slide Number Placeholder 4"/>
+          <p:cNvSpPr>
+            <a:spLocks noGrp="1"/>
+          </p:cNvSpPr>
+          <p:nvPr>
+            <p:ph type="sldNum" sz="quarter" idx="12"/>
+          </p:nvPr>
+        </p:nvSpPr>
+        <p:spPr/>
+        <p:txBody>
+          <a:bodyPr/>
+          <a:lstStyle/>
+          <a:p>
+            <a:fld id="{401CF334-2D5C-4859-84A6-CA7E6E43FAEB}" type="slidenum">
+              <a:rPr lang="en-US" smtClean="0"/>
+              <a:t>2</a:t>
+            </a:fld>
+            <a:endParaRPr lang="en-US"/>
           </a:p>
         </p:txBody>
       </p:sp>
@@ -8343,6 +8925,52 @@
           </a:p>
         </p:txBody>
       </p:sp>
+      <p:sp>
+        <p:nvSpPr>
+          <p:cNvPr id="4" name="Footer Placeholder 3"/>
+          <p:cNvSpPr>
+            <a:spLocks noGrp="1"/>
+          </p:cNvSpPr>
+          <p:nvPr>
+            <p:ph type="ftr" sz="quarter" idx="11"/>
+          </p:nvPr>
+        </p:nvSpPr>
+        <p:spPr/>
+        <p:txBody>
+          <a:bodyPr/>
+          <a:lstStyle/>
+          <a:p>
+            <a:r>
+              <a:rPr lang="en-US" smtClean="0"/>
+              <a:t>https://github.com/trainerpb</a:t>
+            </a:r>
+            <a:endParaRPr lang="en-US" dirty="0"/>
+          </a:p>
+        </p:txBody>
+      </p:sp>
+      <p:sp>
+        <p:nvSpPr>
+          <p:cNvPr id="5" name="Slide Number Placeholder 4"/>
+          <p:cNvSpPr>
+            <a:spLocks noGrp="1"/>
+          </p:cNvSpPr>
+          <p:nvPr>
+            <p:ph type="sldNum" sz="quarter" idx="12"/>
+          </p:nvPr>
+        </p:nvSpPr>
+        <p:spPr/>
+        <p:txBody>
+          <a:bodyPr/>
+          <a:lstStyle/>
+          <a:p>
+            <a:fld id="{401CF334-2D5C-4859-84A6-CA7E6E43FAEB}" type="slidenum">
+              <a:rPr lang="en-US" smtClean="0"/>
+              <a:t>3</a:t>
+            </a:fld>
+            <a:endParaRPr lang="en-US"/>
+          </a:p>
+        </p:txBody>
+      </p:sp>
     </p:spTree>
     <p:extLst>
       <p:ext uri="{BB962C8B-B14F-4D97-AF65-F5344CB8AC3E}">
@@ -8418,7 +9046,6 @@
               <a:rPr lang="en-IN" dirty="0"/>
               <a:t>Code snippets</a:t>
             </a:r>
-            <a:endParaRPr lang="en-IN" dirty="0"/>
           </a:p>
         </p:txBody>
       </p:sp>
@@ -8580,6 +9207,52 @@
           </a:sp3d>
         </p:spPr>
       </p:pic>
+      <p:sp>
+        <p:nvSpPr>
+          <p:cNvPr id="3" name="Footer Placeholder 2"/>
+          <p:cNvSpPr>
+            <a:spLocks noGrp="1"/>
+          </p:cNvSpPr>
+          <p:nvPr>
+            <p:ph type="ftr" sz="quarter" idx="11"/>
+          </p:nvPr>
+        </p:nvSpPr>
+        <p:spPr/>
+        <p:txBody>
+          <a:bodyPr/>
+          <a:lstStyle/>
+          <a:p>
+            <a:r>
+              <a:rPr lang="en-US" smtClean="0"/>
+              <a:t>https://github.com/trainerpb</a:t>
+            </a:r>
+            <a:endParaRPr lang="en-US" dirty="0"/>
+          </a:p>
+        </p:txBody>
+      </p:sp>
+      <p:sp>
+        <p:nvSpPr>
+          <p:cNvPr id="7" name="Slide Number Placeholder 6"/>
+          <p:cNvSpPr>
+            <a:spLocks noGrp="1"/>
+          </p:cNvSpPr>
+          <p:nvPr>
+            <p:ph type="sldNum" sz="quarter" idx="12"/>
+          </p:nvPr>
+        </p:nvSpPr>
+        <p:spPr/>
+        <p:txBody>
+          <a:bodyPr/>
+          <a:lstStyle/>
+          <a:p>
+            <a:fld id="{401CF334-2D5C-4859-84A6-CA7E6E43FAEB}" type="slidenum">
+              <a:rPr lang="en-US" smtClean="0"/>
+              <a:t>4</a:t>
+            </a:fld>
+            <a:endParaRPr lang="en-US"/>
+          </a:p>
+        </p:txBody>
+      </p:sp>
     </p:spTree>
     <p:extLst>
       <p:ext uri="{BB962C8B-B14F-4D97-AF65-F5344CB8AC3E}">
@@ -8590,13 +9263,13 @@
   <p:clrMapOvr>
     <a:masterClrMapping/>
   </p:clrMapOvr>
-  <mc:AlternateContent xmlns:mc="http://schemas.openxmlformats.org/markup-compatibility/2006">
-    <mc:Choice xmlns:p14="http://schemas.microsoft.com/office/powerpoint/2010/main" Requires="p14">
+  <mc:AlternateContent xmlns:mc="http://schemas.openxmlformats.org/markup-compatibility/2006" xmlns:p14="http://schemas.microsoft.com/office/powerpoint/2010/main">
+    <mc:Choice Requires="p14">
       <p:transition spd="med" p14:dur="700">
         <p:fade/>
       </p:transition>
     </mc:Choice>
-    <mc:Fallback>
+    <mc:Fallback xmlns="">
       <p:transition spd="med">
         <p:fade/>
       </p:transition>
@@ -9010,19 +9683,7 @@
             </a:r>
             <a:r>
               <a:rPr lang="en-IN" dirty="0" smtClean="0"/>
-              <a:t>Use </a:t>
-            </a:r>
-            <a:r>
-              <a:rPr lang="en-IN" dirty="0" smtClean="0"/>
-              <a:t>the </a:t>
-            </a:r>
-            <a:r>
-              <a:rPr lang="en-IN" dirty="0" smtClean="0"/>
-              <a:t>method call </a:t>
-            </a:r>
-            <a:r>
-              <a:rPr lang="en-IN" dirty="0" smtClean="0"/>
-              <a:t>like this </a:t>
+              <a:t>Use the method call like this </a:t>
             </a:r>
           </a:p>
           <a:p>
@@ -9150,13 +9811,8 @@
             </a:pPr>
             <a:r>
               <a:rPr lang="en-IN" dirty="0" smtClean="0"/>
-              <a:t>Make sure that your Gmail Account accessible to Third party apps</a:t>
-            </a:r>
-            <a:r>
-              <a:rPr lang="en-IN" dirty="0" smtClean="0"/>
-              <a:t>.</a:t>
-            </a:r>
-            <a:endParaRPr lang="en-IN" dirty="0" smtClean="0"/>
+              <a:t>Make sure that your Gmail Account accessible to Third party apps.</a:t>
+            </a:r>
           </a:p>
         </p:txBody>
       </p:sp>
@@ -9184,6 +9840,52 @@
           </a:prstGeom>
         </p:spPr>
       </p:pic>
+      <p:sp>
+        <p:nvSpPr>
+          <p:cNvPr id="4" name="Footer Placeholder 3"/>
+          <p:cNvSpPr>
+            <a:spLocks noGrp="1"/>
+          </p:cNvSpPr>
+          <p:nvPr>
+            <p:ph type="ftr" sz="quarter" idx="11"/>
+          </p:nvPr>
+        </p:nvSpPr>
+        <p:spPr/>
+        <p:txBody>
+          <a:bodyPr/>
+          <a:lstStyle/>
+          <a:p>
+            <a:r>
+              <a:rPr lang="en-US" smtClean="0"/>
+              <a:t>https://github.com/trainerpb</a:t>
+            </a:r>
+            <a:endParaRPr lang="en-US" dirty="0"/>
+          </a:p>
+        </p:txBody>
+      </p:sp>
+      <p:sp>
+        <p:nvSpPr>
+          <p:cNvPr id="5" name="Slide Number Placeholder 4"/>
+          <p:cNvSpPr>
+            <a:spLocks noGrp="1"/>
+          </p:cNvSpPr>
+          <p:nvPr>
+            <p:ph type="sldNum" sz="quarter" idx="12"/>
+          </p:nvPr>
+        </p:nvSpPr>
+        <p:spPr/>
+        <p:txBody>
+          <a:bodyPr/>
+          <a:lstStyle/>
+          <a:p>
+            <a:fld id="{401CF334-2D5C-4859-84A6-CA7E6E43FAEB}" type="slidenum">
+              <a:rPr lang="en-US" smtClean="0"/>
+              <a:t>5</a:t>
+            </a:fld>
+            <a:endParaRPr lang="en-US"/>
+          </a:p>
+        </p:txBody>
+      </p:sp>
     </p:spTree>
     <p:extLst>
       <p:ext uri="{BB962C8B-B14F-4D97-AF65-F5344CB8AC3E}">
@@ -9194,13 +9896,13 @@
   <p:clrMapOvr>
     <a:masterClrMapping/>
   </p:clrMapOvr>
-  <mc:AlternateContent xmlns:mc="http://schemas.openxmlformats.org/markup-compatibility/2006">
-    <mc:Choice xmlns:p14="http://schemas.microsoft.com/office/powerpoint/2010/main" Requires="p14">
+  <mc:AlternateContent xmlns:mc="http://schemas.openxmlformats.org/markup-compatibility/2006" xmlns:p14="http://schemas.microsoft.com/office/powerpoint/2010/main">
+    <mc:Choice Requires="p14">
       <p:transition spd="med" p14:dur="700">
         <p:fade/>
       </p:transition>
     </mc:Choice>
-    <mc:Fallback>
+    <mc:Fallback xmlns="">
       <p:transition spd="med">
         <p:fade/>
       </p:transition>
@@ -9693,6 +10395,52 @@
           </a:prstGeom>
         </p:spPr>
       </p:pic>
+      <p:sp>
+        <p:nvSpPr>
+          <p:cNvPr id="3" name="Footer Placeholder 2"/>
+          <p:cNvSpPr>
+            <a:spLocks noGrp="1"/>
+          </p:cNvSpPr>
+          <p:nvPr>
+            <p:ph type="ftr" sz="quarter" idx="11"/>
+          </p:nvPr>
+        </p:nvSpPr>
+        <p:spPr/>
+        <p:txBody>
+          <a:bodyPr/>
+          <a:lstStyle/>
+          <a:p>
+            <a:r>
+              <a:rPr lang="en-US" smtClean="0"/>
+              <a:t>https://github.com/trainerpb</a:t>
+            </a:r>
+            <a:endParaRPr lang="en-US" dirty="0"/>
+          </a:p>
+        </p:txBody>
+      </p:sp>
+      <p:sp>
+        <p:nvSpPr>
+          <p:cNvPr id="4" name="Slide Number Placeholder 3"/>
+          <p:cNvSpPr>
+            <a:spLocks noGrp="1"/>
+          </p:cNvSpPr>
+          <p:nvPr>
+            <p:ph type="sldNum" sz="quarter" idx="12"/>
+          </p:nvPr>
+        </p:nvSpPr>
+        <p:spPr/>
+        <p:txBody>
+          <a:bodyPr/>
+          <a:lstStyle/>
+          <a:p>
+            <a:fld id="{401CF334-2D5C-4859-84A6-CA7E6E43FAEB}" type="slidenum">
+              <a:rPr lang="en-US" smtClean="0"/>
+              <a:t>6</a:t>
+            </a:fld>
+            <a:endParaRPr lang="en-US"/>
+          </a:p>
+        </p:txBody>
+      </p:sp>
     </p:spTree>
     <p:extLst>
       <p:ext uri="{BB962C8B-B14F-4D97-AF65-F5344CB8AC3E}">
@@ -9703,13 +10451,13 @@
   <p:clrMapOvr>
     <a:masterClrMapping/>
   </p:clrMapOvr>
-  <mc:AlternateContent xmlns:mc="http://schemas.openxmlformats.org/markup-compatibility/2006">
-    <mc:Choice xmlns:p14="http://schemas.microsoft.com/office/powerpoint/2010/main" Requires="p14">
+  <mc:AlternateContent xmlns:mc="http://schemas.openxmlformats.org/markup-compatibility/2006" xmlns:p14="http://schemas.microsoft.com/office/powerpoint/2010/main">
+    <mc:Choice Requires="p14">
       <p:transition spd="med" p14:dur="700">
         <p:fade/>
       </p:transition>
     </mc:Choice>
-    <mc:Fallback>
+    <mc:Fallback xmlns="">
       <p:transition spd="med">
         <p:fade/>
       </p:transition>
@@ -9956,6 +10704,52 @@
           </a:prstGeom>
         </p:spPr>
       </p:pic>
+      <p:sp>
+        <p:nvSpPr>
+          <p:cNvPr id="5" name="Footer Placeholder 4"/>
+          <p:cNvSpPr>
+            <a:spLocks noGrp="1"/>
+          </p:cNvSpPr>
+          <p:nvPr>
+            <p:ph type="ftr" sz="quarter" idx="11"/>
+          </p:nvPr>
+        </p:nvSpPr>
+        <p:spPr/>
+        <p:txBody>
+          <a:bodyPr/>
+          <a:lstStyle/>
+          <a:p>
+            <a:r>
+              <a:rPr lang="en-US" smtClean="0"/>
+              <a:t>https://github.com/trainerpb</a:t>
+            </a:r>
+            <a:endParaRPr lang="en-US" dirty="0"/>
+          </a:p>
+        </p:txBody>
+      </p:sp>
+      <p:sp>
+        <p:nvSpPr>
+          <p:cNvPr id="6" name="Slide Number Placeholder 5"/>
+          <p:cNvSpPr>
+            <a:spLocks noGrp="1"/>
+          </p:cNvSpPr>
+          <p:nvPr>
+            <p:ph type="sldNum" sz="quarter" idx="12"/>
+          </p:nvPr>
+        </p:nvSpPr>
+        <p:spPr/>
+        <p:txBody>
+          <a:bodyPr/>
+          <a:lstStyle/>
+          <a:p>
+            <a:fld id="{401CF334-2D5C-4859-84A6-CA7E6E43FAEB}" type="slidenum">
+              <a:rPr lang="en-US" smtClean="0"/>
+              <a:t>7</a:t>
+            </a:fld>
+            <a:endParaRPr lang="en-US"/>
+          </a:p>
+        </p:txBody>
+      </p:sp>
     </p:spTree>
     <p:extLst>
       <p:ext uri="{BB962C8B-B14F-4D97-AF65-F5344CB8AC3E}">
@@ -9966,13 +10760,13 @@
   <p:clrMapOvr>
     <a:masterClrMapping/>
   </p:clrMapOvr>
-  <mc:AlternateContent xmlns:mc="http://schemas.openxmlformats.org/markup-compatibility/2006">
-    <mc:Choice xmlns:p14="http://schemas.microsoft.com/office/powerpoint/2010/main" Requires="p14">
+  <mc:AlternateContent xmlns:mc="http://schemas.openxmlformats.org/markup-compatibility/2006" xmlns:p14="http://schemas.microsoft.com/office/powerpoint/2010/main">
+    <mc:Choice Requires="p14">
       <p:transition spd="med" p14:dur="700">
         <p:fade/>
       </p:transition>
     </mc:Choice>
-    <mc:Fallback>
+    <mc:Fallback xmlns="">
       <p:transition spd="med">
         <p:fade/>
       </p:transition>
@@ -10402,6 +11196,52 @@
           </a:prstGeom>
         </p:spPr>
       </p:pic>
+      <p:sp>
+        <p:nvSpPr>
+          <p:cNvPr id="5" name="Footer Placeholder 4"/>
+          <p:cNvSpPr>
+            <a:spLocks noGrp="1"/>
+          </p:cNvSpPr>
+          <p:nvPr>
+            <p:ph type="ftr" sz="quarter" idx="11"/>
+          </p:nvPr>
+        </p:nvSpPr>
+        <p:spPr/>
+        <p:txBody>
+          <a:bodyPr/>
+          <a:lstStyle/>
+          <a:p>
+            <a:r>
+              <a:rPr lang="en-US" smtClean="0"/>
+              <a:t>https://github.com/trainerpb</a:t>
+            </a:r>
+            <a:endParaRPr lang="en-US" dirty="0"/>
+          </a:p>
+        </p:txBody>
+      </p:sp>
+      <p:sp>
+        <p:nvSpPr>
+          <p:cNvPr id="6" name="Slide Number Placeholder 5"/>
+          <p:cNvSpPr>
+            <a:spLocks noGrp="1"/>
+          </p:cNvSpPr>
+          <p:nvPr>
+            <p:ph type="sldNum" sz="quarter" idx="12"/>
+          </p:nvPr>
+        </p:nvSpPr>
+        <p:spPr/>
+        <p:txBody>
+          <a:bodyPr/>
+          <a:lstStyle/>
+          <a:p>
+            <a:fld id="{401CF334-2D5C-4859-84A6-CA7E6E43FAEB}" type="slidenum">
+              <a:rPr lang="en-US" smtClean="0"/>
+              <a:t>8</a:t>
+            </a:fld>
+            <a:endParaRPr lang="en-US"/>
+          </a:p>
+        </p:txBody>
+      </p:sp>
     </p:spTree>
     <p:extLst>
       <p:ext uri="{BB962C8B-B14F-4D97-AF65-F5344CB8AC3E}">
@@ -10412,13 +11252,13 @@
   <p:clrMapOvr>
     <a:masterClrMapping/>
   </p:clrMapOvr>
-  <mc:AlternateContent xmlns:mc="http://schemas.openxmlformats.org/markup-compatibility/2006">
-    <mc:Choice xmlns:p14="http://schemas.microsoft.com/office/powerpoint/2010/main" Requires="p14">
+  <mc:AlternateContent xmlns:mc="http://schemas.openxmlformats.org/markup-compatibility/2006" xmlns:p14="http://schemas.microsoft.com/office/powerpoint/2010/main">
+    <mc:Choice Requires="p14">
       <p:transition spd="med" p14:dur="700">
         <p:fade/>
       </p:transition>
     </mc:Choice>
-    <mc:Fallback>
+    <mc:Fallback xmlns="">
       <p:transition spd="med">
         <p:fade/>
       </p:transition>
@@ -10619,6 +11459,52 @@
           </a:prstGeom>
         </p:spPr>
       </p:pic>
+      <p:sp>
+        <p:nvSpPr>
+          <p:cNvPr id="6" name="Footer Placeholder 5"/>
+          <p:cNvSpPr>
+            <a:spLocks noGrp="1"/>
+          </p:cNvSpPr>
+          <p:nvPr>
+            <p:ph type="ftr" sz="quarter" idx="11"/>
+          </p:nvPr>
+        </p:nvSpPr>
+        <p:spPr/>
+        <p:txBody>
+          <a:bodyPr/>
+          <a:lstStyle/>
+          <a:p>
+            <a:r>
+              <a:rPr lang="en-US" smtClean="0"/>
+              <a:t>https://github.com/trainerpb</a:t>
+            </a:r>
+            <a:endParaRPr lang="en-US" dirty="0"/>
+          </a:p>
+        </p:txBody>
+      </p:sp>
+      <p:sp>
+        <p:nvSpPr>
+          <p:cNvPr id="7" name="Slide Number Placeholder 6"/>
+          <p:cNvSpPr>
+            <a:spLocks noGrp="1"/>
+          </p:cNvSpPr>
+          <p:nvPr>
+            <p:ph type="sldNum" sz="quarter" idx="12"/>
+          </p:nvPr>
+        </p:nvSpPr>
+        <p:spPr/>
+        <p:txBody>
+          <a:bodyPr/>
+          <a:lstStyle/>
+          <a:p>
+            <a:fld id="{401CF334-2D5C-4859-84A6-CA7E6E43FAEB}" type="slidenum">
+              <a:rPr lang="en-US" smtClean="0"/>
+              <a:t>9</a:t>
+            </a:fld>
+            <a:endParaRPr lang="en-US"/>
+          </a:p>
+        </p:txBody>
+      </p:sp>
     </p:spTree>
     <p:extLst>
       <p:ext uri="{BB962C8B-B14F-4D97-AF65-F5344CB8AC3E}">
@@ -10629,13 +11515,13 @@
   <p:clrMapOvr>
     <a:masterClrMapping/>
   </p:clrMapOvr>
-  <mc:AlternateContent xmlns:mc="http://schemas.openxmlformats.org/markup-compatibility/2006">
-    <mc:Choice xmlns:p14="http://schemas.microsoft.com/office/powerpoint/2010/main" Requires="p14">
+  <mc:AlternateContent xmlns:mc="http://schemas.openxmlformats.org/markup-compatibility/2006" xmlns:p14="http://schemas.microsoft.com/office/powerpoint/2010/main">
+    <mc:Choice Requires="p14">
       <p:transition spd="med" p14:dur="700">
         <p:fade/>
       </p:transition>
     </mc:Choice>
-    <mc:Fallback>
+    <mc:Fallback xmlns="">
       <p:transition spd="med">
         <p:fade/>
       </p:transition>

--- a/Email via Spring.pptx
+++ b/Email via Spring.pptx
@@ -5,7 +5,7 @@
     <p:sldMasterId id="2147483684" r:id="rId1"/>
   </p:sldMasterIdLst>
   <p:notesMasterIdLst>
-    <p:notesMasterId r:id="rId20"/>
+    <p:notesMasterId r:id="rId22"/>
   </p:notesMasterIdLst>
   <p:sldIdLst>
     <p:sldId id="272" r:id="rId2"/>
@@ -25,7 +25,9 @@
     <p:sldId id="276" r:id="rId16"/>
     <p:sldId id="277" r:id="rId17"/>
     <p:sldId id="278" r:id="rId18"/>
-    <p:sldId id="290" r:id="rId19"/>
+    <p:sldId id="291" r:id="rId19"/>
+    <p:sldId id="292" r:id="rId20"/>
+    <p:sldId id="290" r:id="rId21"/>
   </p:sldIdLst>
   <p:sldSz cx="12192000" cy="6858000"/>
   <p:notesSz cx="6858000" cy="9144000"/>
@@ -214,7 +216,7 @@
           <a:p>
             <a:fld id="{71BD4573-58E7-4156-A133-2731F5F8D1A6}" type="datetimeFigureOut">
               <a:rPr lang="en-US" smtClean="0"/>
-              <a:t>11/3/2018</a:t>
+              <a:t>11/4/2018</a:t>
             </a:fld>
             <a:endParaRPr lang="en-US"/>
           </a:p>
@@ -631,7 +633,7 @@
           <a:p>
             <a:fld id="{893B0CF2-7F87-4E02-A248-870047730F99}" type="slidenum">
               <a:rPr lang="en-US" smtClean="0"/>
-              <a:t>18</a:t>
+              <a:t>20</a:t>
             </a:fld>
             <a:endParaRPr lang="en-US"/>
           </a:p>
@@ -965,7 +967,7 @@
           <a:p>
             <a:fld id="{E72531BF-C3B5-4970-8F4C-E47420B8810E}" type="datetime1">
               <a:rPr lang="en-US" smtClean="0"/>
-              <a:t>11/3/2018</a:t>
+              <a:t>11/4/2018</a:t>
             </a:fld>
             <a:endParaRPr lang="en-US"/>
           </a:p>
@@ -1151,7 +1153,7 @@
           <a:p>
             <a:fld id="{6036C61F-BEDE-456F-8F48-3DDBCDFD3651}" type="datetime1">
               <a:rPr lang="en-US" smtClean="0"/>
-              <a:t>11/3/2018</a:t>
+              <a:t>11/4/2018</a:t>
             </a:fld>
             <a:endParaRPr lang="en-US"/>
           </a:p>
@@ -1347,7 +1349,7 @@
           <a:p>
             <a:fld id="{8E778E89-A779-40C1-9624-774D2368FB78}" type="datetime1">
               <a:rPr lang="en-US" smtClean="0"/>
-              <a:t>11/3/2018</a:t>
+              <a:t>11/4/2018</a:t>
             </a:fld>
             <a:endParaRPr lang="en-US"/>
           </a:p>
@@ -1533,7 +1535,7 @@
           <a:p>
             <a:fld id="{E5BEB4CC-64FC-4B06-99CF-41CBD7F71053}" type="datetime1">
               <a:rPr lang="en-US" smtClean="0"/>
-              <a:t>11/3/2018</a:t>
+              <a:t>11/4/2018</a:t>
             </a:fld>
             <a:endParaRPr lang="en-US"/>
           </a:p>
@@ -1782,7 +1784,7 @@
           <a:p>
             <a:fld id="{088A4872-3FFA-4406-885C-D874EB0CD011}" type="datetime1">
               <a:rPr lang="en-US" smtClean="0"/>
-              <a:t>11/3/2018</a:t>
+              <a:t>11/4/2018</a:t>
             </a:fld>
             <a:endParaRPr lang="en-US"/>
           </a:p>
@@ -2067,7 +2069,7 @@
           <a:p>
             <a:fld id="{C837A63A-37DB-437F-A946-7BFD12A036F7}" type="datetime1">
               <a:rPr lang="en-US" smtClean="0"/>
-              <a:t>11/3/2018</a:t>
+              <a:t>11/4/2018</a:t>
             </a:fld>
             <a:endParaRPr lang="en-US"/>
           </a:p>
@@ -2466,7 +2468,7 @@
           <a:p>
             <a:fld id="{05A48226-0558-4BC9-A4EE-FDC71DF62D4A}" type="datetime1">
               <a:rPr lang="en-US" smtClean="0"/>
-              <a:t>11/3/2018</a:t>
+              <a:t>11/4/2018</a:t>
             </a:fld>
             <a:endParaRPr lang="en-US"/>
           </a:p>
@@ -2637,7 +2639,7 @@
           <a:p>
             <a:fld id="{D91A6B58-DF04-4A87-BE1E-7EF33C74DEF9}" type="datetime1">
               <a:rPr lang="en-US" smtClean="0"/>
-              <a:t>11/3/2018</a:t>
+              <a:t>11/4/2018</a:t>
             </a:fld>
             <a:endParaRPr lang="en-US"/>
           </a:p>
@@ -2748,7 +2750,7 @@
           <a:p>
             <a:fld id="{33C723E7-C0DD-4DCD-8DBB-1D249CB633CA}" type="datetime1">
               <a:rPr lang="en-US" smtClean="0"/>
-              <a:t>11/3/2018</a:t>
+              <a:t>11/4/2018</a:t>
             </a:fld>
             <a:endParaRPr lang="en-US"/>
           </a:p>
@@ -3030,7 +3032,7 @@
           <a:p>
             <a:fld id="{953B6F80-3AFA-4F45-97C4-E904FF0E435C}" type="datetime1">
               <a:rPr lang="en-US" smtClean="0"/>
-              <a:t>11/3/2018</a:t>
+              <a:t>11/4/2018</a:t>
             </a:fld>
             <a:endParaRPr lang="en-US"/>
           </a:p>
@@ -3385,7 +3387,7 @@
           <a:p>
             <a:fld id="{5C260DD3-5FE4-4EB5-B089-3E62944F97F4}" type="datetime1">
               <a:rPr lang="en-US" smtClean="0"/>
-              <a:t>11/3/2018</a:t>
+              <a:t>11/4/2018</a:t>
             </a:fld>
             <a:endParaRPr lang="en-US"/>
           </a:p>
@@ -4419,7 +4421,7 @@
           <a:p>
             <a:fld id="{8CFB6EB8-AB7B-434F-8005-9FDA773FFED9}" type="datetime1">
               <a:rPr lang="en-US" smtClean="0"/>
-              <a:t>11/3/2018</a:t>
+              <a:t>11/4/2018</a:t>
             </a:fld>
             <a:endParaRPr lang="en-US" dirty="0"/>
           </a:p>
@@ -8210,12 +8212,14 @@
         </p:nvSpPr>
         <p:spPr/>
         <p:txBody>
-          <a:bodyPr/>
+          <a:bodyPr>
+            <a:normAutofit/>
+          </a:bodyPr>
           <a:lstStyle/>
           <a:p>
             <a:r>
               <a:rPr lang="en-US" dirty="0" smtClean="0"/>
-              <a:t>Assignment</a:t>
+              <a:t>Assignment-1</a:t>
             </a:r>
             <a:endParaRPr lang="en-US" dirty="0"/>
           </a:p>
@@ -8416,6 +8420,1002 @@
       </p:grpSpPr>
       <p:sp>
         <p:nvSpPr>
+          <p:cNvPr id="3" name="Title 2"/>
+          <p:cNvSpPr>
+            <a:spLocks noGrp="1"/>
+          </p:cNvSpPr>
+          <p:nvPr>
+            <p:ph type="title"/>
+          </p:nvPr>
+        </p:nvSpPr>
+        <p:spPr/>
+        <p:txBody>
+          <a:bodyPr>
+            <a:normAutofit/>
+          </a:bodyPr>
+          <a:lstStyle/>
+          <a:p>
+            <a:r>
+              <a:rPr lang="en-US" dirty="0" smtClean="0"/>
+              <a:t>Assignment-2</a:t>
+            </a:r>
+            <a:endParaRPr lang="en-US" dirty="0"/>
+          </a:p>
+        </p:txBody>
+      </p:sp>
+      <p:sp>
+        <p:nvSpPr>
+          <p:cNvPr id="2" name="Content Placeholder 1"/>
+          <p:cNvSpPr>
+            <a:spLocks noGrp="1"/>
+          </p:cNvSpPr>
+          <p:nvPr>
+            <p:ph idx="1"/>
+          </p:nvPr>
+        </p:nvSpPr>
+        <p:spPr/>
+        <p:txBody>
+          <a:bodyPr/>
+          <a:lstStyle/>
+          <a:p>
+            <a:r>
+              <a:rPr lang="en-US" dirty="0" smtClean="0"/>
+              <a:t>Create </a:t>
+            </a:r>
+            <a:r>
+              <a:rPr lang="en-US" b="1" dirty="0" smtClean="0"/>
+              <a:t>TWO </a:t>
+            </a:r>
+            <a:r>
+              <a:rPr lang="en-US" dirty="0" smtClean="0"/>
+              <a:t>services -</a:t>
+            </a:r>
+            <a:endParaRPr lang="en-US" b="1" dirty="0" smtClean="0"/>
+          </a:p>
+          <a:p>
+            <a:pPr lvl="1"/>
+            <a:r>
+              <a:rPr lang="en-US" dirty="0" smtClean="0"/>
+              <a:t>One to send email via a Gmail Account and the other via an OUTLOOK one</a:t>
+            </a:r>
+            <a:endParaRPr lang="en-US" dirty="0" smtClean="0"/>
+          </a:p>
+          <a:p>
+            <a:pPr lvl="1"/>
+            <a:r>
+              <a:rPr lang="en-US" dirty="0" smtClean="0"/>
+              <a:t>Create only one </a:t>
+            </a:r>
+            <a:r>
+              <a:rPr lang="en-US" dirty="0" err="1" smtClean="0"/>
+              <a:t>RESTful</a:t>
+            </a:r>
+            <a:r>
+              <a:rPr lang="en-US" dirty="0" smtClean="0"/>
+              <a:t> web service which</a:t>
+            </a:r>
+            <a:endParaRPr lang="en-US" dirty="0" smtClean="0"/>
+          </a:p>
+          <a:p>
+            <a:pPr lvl="2"/>
+            <a:r>
+              <a:rPr lang="en-US" dirty="0" smtClean="0"/>
+              <a:t>Calls the services as per need (E.g. route to the service desired)</a:t>
+            </a:r>
+            <a:endParaRPr lang="en-US" dirty="0" smtClean="0"/>
+          </a:p>
+          <a:p>
+            <a:pPr lvl="2"/>
+            <a:r>
+              <a:rPr lang="en-US" dirty="0" smtClean="0"/>
+              <a:t>Must use – HTTP  / </a:t>
+            </a:r>
+            <a:r>
+              <a:rPr lang="en-US" b="1" dirty="0" smtClean="0"/>
+              <a:t>POST</a:t>
+            </a:r>
+            <a:r>
+              <a:rPr lang="en-US" dirty="0" smtClean="0"/>
+              <a:t> </a:t>
+            </a:r>
+          </a:p>
+          <a:p>
+            <a:pPr lvl="2"/>
+            <a:r>
+              <a:rPr lang="en-US" b="1" dirty="0" smtClean="0"/>
+              <a:t>Finally, </a:t>
+            </a:r>
+            <a:r>
+              <a:rPr lang="en-US" dirty="0" smtClean="0"/>
+              <a:t>make post a single JSON to route to the proper service  </a:t>
+            </a:r>
+            <a:endParaRPr lang="en-US" b="1" dirty="0" smtClean="0"/>
+          </a:p>
+          <a:p>
+            <a:pPr marL="393192" lvl="1" indent="0">
+              <a:buNone/>
+            </a:pPr>
+            <a:endParaRPr lang="en-US" dirty="0"/>
+          </a:p>
+        </p:txBody>
+      </p:sp>
+      <p:sp>
+        <p:nvSpPr>
+          <p:cNvPr id="4" name="Footer Placeholder 3"/>
+          <p:cNvSpPr>
+            <a:spLocks noGrp="1"/>
+          </p:cNvSpPr>
+          <p:nvPr>
+            <p:ph type="ftr" sz="quarter" idx="11"/>
+          </p:nvPr>
+        </p:nvSpPr>
+        <p:spPr/>
+        <p:txBody>
+          <a:bodyPr/>
+          <a:lstStyle/>
+          <a:p>
+            <a:r>
+              <a:rPr lang="en-US" sz="2400" dirty="0" smtClean="0"/>
+              <a:t>https://github.com/trainerpb</a:t>
+            </a:r>
+            <a:endParaRPr lang="en-US" sz="2400" dirty="0"/>
+          </a:p>
+        </p:txBody>
+      </p:sp>
+      <p:sp>
+        <p:nvSpPr>
+          <p:cNvPr id="5" name="Slide Number Placeholder 4"/>
+          <p:cNvSpPr>
+            <a:spLocks noGrp="1"/>
+          </p:cNvSpPr>
+          <p:nvPr>
+            <p:ph type="sldNum" sz="quarter" idx="12"/>
+          </p:nvPr>
+        </p:nvSpPr>
+        <p:spPr/>
+        <p:txBody>
+          <a:bodyPr/>
+          <a:lstStyle/>
+          <a:p>
+            <a:fld id="{401CF334-2D5C-4859-84A6-CA7E6E43FAEB}" type="slidenum">
+              <a:rPr lang="en-US" smtClean="0"/>
+              <a:t>18</a:t>
+            </a:fld>
+            <a:endParaRPr lang="en-US"/>
+          </a:p>
+        </p:txBody>
+      </p:sp>
+    </p:spTree>
+    <p:extLst>
+      <p:ext uri="{BB962C8B-B14F-4D97-AF65-F5344CB8AC3E}">
+        <p14:creationId xmlns:p14="http://schemas.microsoft.com/office/powerpoint/2010/main" val="2339315286"/>
+      </p:ext>
+    </p:extLst>
+  </p:cSld>
+  <p:clrMapOvr>
+    <a:masterClrMapping/>
+  </p:clrMapOvr>
+  <mc:AlternateContent xmlns:mc="http://schemas.openxmlformats.org/markup-compatibility/2006">
+    <mc:Choice xmlns:p14="http://schemas.microsoft.com/office/powerpoint/2010/main" Requires="p14">
+      <p:transition spd="med" p14:dur="700">
+        <p:fade/>
+      </p:transition>
+    </mc:Choice>
+    <mc:Fallback>
+      <p:transition spd="med">
+        <p:fade/>
+      </p:transition>
+    </mc:Fallback>
+  </mc:AlternateContent>
+  <p:timing>
+    <p:tnLst>
+      <p:par>
+        <p:cTn id="1" dur="indefinite" restart="never" nodeType="tmRoot"/>
+      </p:par>
+    </p:tnLst>
+  </p:timing>
+</p:sld>
+</file>
+
+<file path=ppt/slides/slide19.xml><?xml version="1.0" encoding="utf-8"?>
+<p:sld xmlns:a="http://schemas.openxmlformats.org/drawingml/2006/main" xmlns:r="http://schemas.openxmlformats.org/officeDocument/2006/relationships" xmlns:p="http://schemas.openxmlformats.org/presentationml/2006/main">
+  <p:cSld>
+    <p:spTree>
+      <p:nvGrpSpPr>
+        <p:cNvPr id="1" name=""/>
+        <p:cNvGrpSpPr/>
+        <p:nvPr/>
+      </p:nvGrpSpPr>
+      <p:grpSpPr>
+        <a:xfrm>
+          <a:off x="0" y="0"/>
+          <a:ext cx="0" cy="0"/>
+          <a:chOff x="0" y="0"/>
+          <a:chExt cx="0" cy="0"/>
+        </a:xfrm>
+      </p:grpSpPr>
+      <p:sp>
+        <p:nvSpPr>
+          <p:cNvPr id="3" name="Title 2"/>
+          <p:cNvSpPr>
+            <a:spLocks noGrp="1"/>
+          </p:cNvSpPr>
+          <p:nvPr>
+            <p:ph type="title"/>
+          </p:nvPr>
+        </p:nvSpPr>
+        <p:spPr>
+          <a:xfrm>
+            <a:off x="609600" y="180020"/>
+            <a:ext cx="10972800" cy="1331933"/>
+          </a:xfrm>
+        </p:spPr>
+        <p:txBody>
+          <a:bodyPr>
+            <a:normAutofit/>
+          </a:bodyPr>
+          <a:lstStyle/>
+          <a:p>
+            <a:r>
+              <a:rPr lang="en-US" dirty="0" smtClean="0"/>
+              <a:t>Assignment-2.1 [</a:t>
+            </a:r>
+            <a:r>
+              <a:rPr lang="en-US" sz="2700" b="1" dirty="0" smtClean="0">
+                <a:solidFill>
+                  <a:srgbClr val="C00000"/>
+                </a:solidFill>
+              </a:rPr>
+              <a:t>NB. Content based routing</a:t>
+            </a:r>
+            <a:r>
+              <a:rPr lang="en-US" dirty="0" smtClean="0"/>
+              <a:t>] </a:t>
+            </a:r>
+            <a:endParaRPr lang="en-US" dirty="0"/>
+          </a:p>
+        </p:txBody>
+      </p:sp>
+      <p:sp>
+        <p:nvSpPr>
+          <p:cNvPr id="2" name="Content Placeholder 1"/>
+          <p:cNvSpPr>
+            <a:spLocks noGrp="1"/>
+          </p:cNvSpPr>
+          <p:nvPr>
+            <p:ph idx="1"/>
+          </p:nvPr>
+        </p:nvSpPr>
+        <p:spPr/>
+        <p:txBody>
+          <a:bodyPr/>
+          <a:lstStyle/>
+          <a:p>
+            <a:r>
+              <a:rPr lang="en-US" dirty="0" smtClean="0"/>
+              <a:t>Create </a:t>
+            </a:r>
+            <a:r>
+              <a:rPr lang="en-US" b="1" dirty="0" smtClean="0"/>
+              <a:t>TWO </a:t>
+            </a:r>
+            <a:r>
+              <a:rPr lang="en-US" b="1" dirty="0" err="1" smtClean="0"/>
+              <a:t>REST</a:t>
+            </a:r>
+            <a:r>
+              <a:rPr lang="en-US" dirty="0" err="1" smtClean="0"/>
+              <a:t>ful</a:t>
+            </a:r>
+            <a:r>
+              <a:rPr lang="en-US" b="1" dirty="0" smtClean="0"/>
+              <a:t> </a:t>
+            </a:r>
+            <a:r>
+              <a:rPr lang="en-US" dirty="0" smtClean="0"/>
+              <a:t>services -</a:t>
+            </a:r>
+            <a:endParaRPr lang="en-US" b="1" dirty="0" smtClean="0"/>
+          </a:p>
+          <a:p>
+            <a:pPr lvl="1"/>
+            <a:r>
+              <a:rPr lang="en-US" dirty="0" smtClean="0"/>
+              <a:t>One to send email via a Gmail Account and the other via an OUTLOOK one</a:t>
+            </a:r>
+            <a:endParaRPr lang="en-US" dirty="0" smtClean="0"/>
+          </a:p>
+          <a:p>
+            <a:pPr lvl="1"/>
+            <a:r>
+              <a:rPr lang="en-US" dirty="0" smtClean="0"/>
+              <a:t>Create another </a:t>
+            </a:r>
+            <a:r>
+              <a:rPr lang="en-US" b="1" dirty="0" err="1" smtClean="0"/>
+              <a:t>REST</a:t>
+            </a:r>
+            <a:r>
+              <a:rPr lang="en-US" dirty="0" err="1" smtClean="0"/>
+              <a:t>ful</a:t>
+            </a:r>
+            <a:r>
+              <a:rPr lang="en-US" dirty="0" smtClean="0"/>
+              <a:t> web service in another application. CLIENT must call this only [Assume that the above two are private services and cannot be accessed by the </a:t>
+            </a:r>
+            <a:r>
+              <a:rPr lang="en-US" b="1" dirty="0" smtClean="0"/>
+              <a:t>CLIENT</a:t>
+            </a:r>
+            <a:r>
+              <a:rPr lang="en-US" dirty="0" smtClean="0"/>
+              <a:t>]</a:t>
+            </a:r>
+            <a:endParaRPr lang="en-US" dirty="0" smtClean="0"/>
+          </a:p>
+          <a:p>
+            <a:pPr lvl="2"/>
+            <a:r>
+              <a:rPr lang="en-US" sz="1600" dirty="0" smtClean="0"/>
+              <a:t>Routes to desired web services</a:t>
+            </a:r>
+            <a:endParaRPr lang="en-US" sz="1600" dirty="0" smtClean="0"/>
+          </a:p>
+          <a:p>
+            <a:pPr lvl="2"/>
+            <a:r>
+              <a:rPr lang="en-US" sz="1600" dirty="0" smtClean="0"/>
+              <a:t>Must use – HTTP  / </a:t>
+            </a:r>
+            <a:r>
+              <a:rPr lang="en-US" sz="1600" b="1" dirty="0" smtClean="0"/>
+              <a:t>POST</a:t>
+            </a:r>
+            <a:r>
+              <a:rPr lang="en-US" sz="1600" dirty="0" smtClean="0"/>
+              <a:t> </a:t>
+            </a:r>
+          </a:p>
+          <a:p>
+            <a:pPr lvl="2"/>
+            <a:r>
+              <a:rPr lang="en-US" sz="1600" b="1" dirty="0" smtClean="0"/>
+              <a:t>Finally, </a:t>
+            </a:r>
+            <a:r>
+              <a:rPr lang="en-US" sz="1600" dirty="0" smtClean="0"/>
+              <a:t>make post a single JSON to route to the proper service  </a:t>
+            </a:r>
+          </a:p>
+          <a:p>
+            <a:pPr lvl="2"/>
+            <a:endParaRPr lang="en-US" b="1" dirty="0"/>
+          </a:p>
+          <a:p>
+            <a:pPr marL="667512" lvl="2" indent="0">
+              <a:buNone/>
+            </a:pPr>
+            <a:endParaRPr lang="en-US" b="1" dirty="0" smtClean="0"/>
+          </a:p>
+          <a:p>
+            <a:pPr marL="393192" lvl="1" indent="0">
+              <a:buNone/>
+            </a:pPr>
+            <a:endParaRPr lang="en-US" dirty="0"/>
+          </a:p>
+        </p:txBody>
+      </p:sp>
+      <p:sp>
+        <p:nvSpPr>
+          <p:cNvPr id="4" name="Footer Placeholder 3"/>
+          <p:cNvSpPr>
+            <a:spLocks noGrp="1"/>
+          </p:cNvSpPr>
+          <p:nvPr>
+            <p:ph type="ftr" sz="quarter" idx="11"/>
+          </p:nvPr>
+        </p:nvSpPr>
+        <p:spPr/>
+        <p:txBody>
+          <a:bodyPr/>
+          <a:lstStyle/>
+          <a:p>
+            <a:r>
+              <a:rPr lang="en-US" sz="2400" dirty="0" smtClean="0"/>
+              <a:t>https://github.com/trainerpb</a:t>
+            </a:r>
+            <a:endParaRPr lang="en-US" sz="2400" dirty="0"/>
+          </a:p>
+        </p:txBody>
+      </p:sp>
+      <p:sp>
+        <p:nvSpPr>
+          <p:cNvPr id="5" name="Slide Number Placeholder 4"/>
+          <p:cNvSpPr>
+            <a:spLocks noGrp="1"/>
+          </p:cNvSpPr>
+          <p:nvPr>
+            <p:ph type="sldNum" sz="quarter" idx="12"/>
+          </p:nvPr>
+        </p:nvSpPr>
+        <p:spPr/>
+        <p:txBody>
+          <a:bodyPr/>
+          <a:lstStyle/>
+          <a:p>
+            <a:fld id="{401CF334-2D5C-4859-84A6-CA7E6E43FAEB}" type="slidenum">
+              <a:rPr lang="en-US" smtClean="0"/>
+              <a:t>19</a:t>
+            </a:fld>
+            <a:endParaRPr lang="en-US"/>
+          </a:p>
+        </p:txBody>
+      </p:sp>
+      <p:sp>
+        <p:nvSpPr>
+          <p:cNvPr id="6" name="Rounded Rectangle 5"/>
+          <p:cNvSpPr/>
+          <p:nvPr/>
+        </p:nvSpPr>
+        <p:spPr>
+          <a:xfrm>
+            <a:off x="2632722" y="5481663"/>
+            <a:ext cx="1488517" cy="566670"/>
+          </a:xfrm>
+          <a:prstGeom prst="roundRect">
+            <a:avLst/>
+          </a:prstGeom>
+          <a:gradFill flip="none" rotWithShape="1">
+            <a:gsLst>
+              <a:gs pos="0">
+                <a:srgbClr val="92D050">
+                  <a:shade val="30000"/>
+                  <a:satMod val="115000"/>
+                </a:srgbClr>
+              </a:gs>
+              <a:gs pos="50000">
+                <a:srgbClr val="92D050">
+                  <a:shade val="67500"/>
+                  <a:satMod val="115000"/>
+                </a:srgbClr>
+              </a:gs>
+              <a:gs pos="100000">
+                <a:srgbClr val="92D050">
+                  <a:shade val="100000"/>
+                  <a:satMod val="115000"/>
+                </a:srgbClr>
+              </a:gs>
+            </a:gsLst>
+            <a:lin ang="5400000" scaled="1"/>
+            <a:tileRect/>
+          </a:gradFill>
+        </p:spPr>
+        <p:style>
+          <a:lnRef idx="1">
+            <a:schemeClr val="accent3"/>
+          </a:lnRef>
+          <a:fillRef idx="2">
+            <a:schemeClr val="accent3"/>
+          </a:fillRef>
+          <a:effectRef idx="1">
+            <a:schemeClr val="accent3"/>
+          </a:effectRef>
+          <a:fontRef idx="minor">
+            <a:schemeClr val="dk1"/>
+          </a:fontRef>
+        </p:style>
+        <p:txBody>
+          <a:bodyPr rtlCol="0" anchor="ctr"/>
+          <a:lstStyle/>
+          <a:p>
+            <a:pPr algn="ctr"/>
+            <a:r>
+              <a:rPr lang="en-IN" dirty="0" smtClean="0"/>
+              <a:t>Public API</a:t>
+            </a:r>
+            <a:endParaRPr lang="en-IN" dirty="0"/>
+          </a:p>
+        </p:txBody>
+      </p:sp>
+      <p:sp>
+        <p:nvSpPr>
+          <p:cNvPr id="7" name="Flowchart: Decision 6"/>
+          <p:cNvSpPr/>
+          <p:nvPr/>
+        </p:nvSpPr>
+        <p:spPr>
+          <a:xfrm>
+            <a:off x="5385515" y="5546390"/>
+            <a:ext cx="811369" cy="454831"/>
+          </a:xfrm>
+          <a:prstGeom prst="flowChartDecision">
+            <a:avLst/>
+          </a:prstGeom>
+          <a:solidFill>
+            <a:srgbClr val="FFC000"/>
+          </a:solidFill>
+        </p:spPr>
+        <p:style>
+          <a:lnRef idx="1">
+            <a:schemeClr val="accent3"/>
+          </a:lnRef>
+          <a:fillRef idx="2">
+            <a:schemeClr val="accent3"/>
+          </a:fillRef>
+          <a:effectRef idx="1">
+            <a:schemeClr val="accent3"/>
+          </a:effectRef>
+          <a:fontRef idx="minor">
+            <a:schemeClr val="dk1"/>
+          </a:fontRef>
+        </p:style>
+        <p:txBody>
+          <a:bodyPr rtlCol="0" anchor="ctr"/>
+          <a:lstStyle/>
+          <a:p>
+            <a:pPr algn="ctr"/>
+            <a:endParaRPr lang="en-IN"/>
+          </a:p>
+        </p:txBody>
+      </p:sp>
+      <p:pic>
+        <p:nvPicPr>
+          <p:cNvPr id="10" name="Picture 9"/>
+          <p:cNvPicPr>
+            <a:picLocks noChangeAspect="1"/>
+          </p:cNvPicPr>
+          <p:nvPr/>
+        </p:nvPicPr>
+        <p:blipFill>
+          <a:blip r:embed="rId2"/>
+          <a:stretch>
+            <a:fillRect/>
+          </a:stretch>
+        </p:blipFill>
+        <p:spPr>
+          <a:xfrm>
+            <a:off x="8220007" y="4692182"/>
+            <a:ext cx="609600" cy="542925"/>
+          </a:xfrm>
+          <a:prstGeom prst="rect">
+            <a:avLst/>
+          </a:prstGeom>
+          <a:ln w="19050">
+            <a:solidFill>
+              <a:srgbClr val="FF0000"/>
+            </a:solidFill>
+          </a:ln>
+        </p:spPr>
+      </p:pic>
+      <p:pic>
+        <p:nvPicPr>
+          <p:cNvPr id="12" name="Picture 11"/>
+          <p:cNvPicPr>
+            <a:picLocks noChangeAspect="1"/>
+          </p:cNvPicPr>
+          <p:nvPr/>
+        </p:nvPicPr>
+        <p:blipFill>
+          <a:blip r:embed="rId3"/>
+          <a:stretch>
+            <a:fillRect/>
+          </a:stretch>
+        </p:blipFill>
+        <p:spPr>
+          <a:xfrm>
+            <a:off x="8855649" y="5781479"/>
+            <a:ext cx="676275" cy="676275"/>
+          </a:xfrm>
+          <a:prstGeom prst="rect">
+            <a:avLst/>
+          </a:prstGeom>
+          <a:ln w="28575">
+            <a:solidFill>
+              <a:schemeClr val="tx1"/>
+            </a:solidFill>
+          </a:ln>
+        </p:spPr>
+      </p:pic>
+      <p:sp>
+        <p:nvSpPr>
+          <p:cNvPr id="13" name="Right Arrow 12"/>
+          <p:cNvSpPr/>
+          <p:nvPr/>
+        </p:nvSpPr>
+        <p:spPr>
+          <a:xfrm>
+            <a:off x="4198513" y="5679583"/>
+            <a:ext cx="1187002" cy="183055"/>
+          </a:xfrm>
+          <a:prstGeom prst="rightArrow">
+            <a:avLst/>
+          </a:prstGeom>
+          <a:solidFill>
+            <a:schemeClr val="tx1"/>
+          </a:solidFill>
+        </p:spPr>
+        <p:style>
+          <a:lnRef idx="1">
+            <a:schemeClr val="accent3"/>
+          </a:lnRef>
+          <a:fillRef idx="2">
+            <a:schemeClr val="accent3"/>
+          </a:fillRef>
+          <a:effectRef idx="1">
+            <a:schemeClr val="accent3"/>
+          </a:effectRef>
+          <a:fontRef idx="minor">
+            <a:schemeClr val="dk1"/>
+          </a:fontRef>
+        </p:style>
+        <p:txBody>
+          <a:bodyPr rtlCol="0" anchor="ctr"/>
+          <a:lstStyle/>
+          <a:p>
+            <a:pPr algn="ctr"/>
+            <a:endParaRPr lang="en-IN">
+              <a:solidFill>
+                <a:srgbClr val="FF0000"/>
+              </a:solidFill>
+            </a:endParaRPr>
+          </a:p>
+        </p:txBody>
+      </p:sp>
+      <p:sp>
+        <p:nvSpPr>
+          <p:cNvPr id="14" name="Right Arrow 13"/>
+          <p:cNvSpPr/>
+          <p:nvPr/>
+        </p:nvSpPr>
+        <p:spPr>
+          <a:xfrm rot="20332987">
+            <a:off x="6174335" y="5252382"/>
+            <a:ext cx="2001548" cy="272260"/>
+          </a:xfrm>
+          <a:prstGeom prst="rightArrow">
+            <a:avLst/>
+          </a:prstGeom>
+          <a:solidFill>
+            <a:schemeClr val="tx1"/>
+          </a:solidFill>
+        </p:spPr>
+        <p:style>
+          <a:lnRef idx="1">
+            <a:schemeClr val="accent3"/>
+          </a:lnRef>
+          <a:fillRef idx="2">
+            <a:schemeClr val="accent3"/>
+          </a:fillRef>
+          <a:effectRef idx="1">
+            <a:schemeClr val="accent3"/>
+          </a:effectRef>
+          <a:fontRef idx="minor">
+            <a:schemeClr val="dk1"/>
+          </a:fontRef>
+        </p:style>
+        <p:txBody>
+          <a:bodyPr rtlCol="0" anchor="ctr"/>
+          <a:lstStyle/>
+          <a:p>
+            <a:pPr algn="ctr"/>
+            <a:endParaRPr lang="en-IN">
+              <a:solidFill>
+                <a:srgbClr val="FF0000"/>
+              </a:solidFill>
+            </a:endParaRPr>
+          </a:p>
+        </p:txBody>
+      </p:sp>
+      <p:sp>
+        <p:nvSpPr>
+          <p:cNvPr id="15" name="Right Arrow 14"/>
+          <p:cNvSpPr/>
+          <p:nvPr/>
+        </p:nvSpPr>
+        <p:spPr>
+          <a:xfrm rot="477705">
+            <a:off x="6265708" y="5869907"/>
+            <a:ext cx="2558447" cy="256751"/>
+          </a:xfrm>
+          <a:prstGeom prst="rightArrow">
+            <a:avLst/>
+          </a:prstGeom>
+          <a:solidFill>
+            <a:schemeClr val="tx1"/>
+          </a:solidFill>
+        </p:spPr>
+        <p:style>
+          <a:lnRef idx="1">
+            <a:schemeClr val="accent3"/>
+          </a:lnRef>
+          <a:fillRef idx="2">
+            <a:schemeClr val="accent3"/>
+          </a:fillRef>
+          <a:effectRef idx="1">
+            <a:schemeClr val="accent3"/>
+          </a:effectRef>
+          <a:fontRef idx="minor">
+            <a:schemeClr val="dk1"/>
+          </a:fontRef>
+        </p:style>
+        <p:txBody>
+          <a:bodyPr rtlCol="0" anchor="ctr"/>
+          <a:lstStyle/>
+          <a:p>
+            <a:pPr algn="ctr"/>
+            <a:endParaRPr lang="en-IN">
+              <a:solidFill>
+                <a:srgbClr val="FF0000"/>
+              </a:solidFill>
+            </a:endParaRPr>
+          </a:p>
+        </p:txBody>
+      </p:sp>
+    </p:spTree>
+    <p:extLst>
+      <p:ext uri="{BB962C8B-B14F-4D97-AF65-F5344CB8AC3E}">
+        <p14:creationId xmlns:p14="http://schemas.microsoft.com/office/powerpoint/2010/main" val="3090740422"/>
+      </p:ext>
+    </p:extLst>
+  </p:cSld>
+  <p:clrMapOvr>
+    <a:masterClrMapping/>
+  </p:clrMapOvr>
+  <mc:AlternateContent xmlns:mc="http://schemas.openxmlformats.org/markup-compatibility/2006">
+    <mc:Choice xmlns:p14="http://schemas.microsoft.com/office/powerpoint/2010/main" Requires="p14">
+      <p:transition spd="med" p14:dur="700">
+        <p:fade/>
+      </p:transition>
+    </mc:Choice>
+    <mc:Fallback>
+      <p:transition spd="med">
+        <p:fade/>
+      </p:transition>
+    </mc:Fallback>
+  </mc:AlternateContent>
+  <p:timing>
+    <p:tnLst>
+      <p:par>
+        <p:cTn id="1" dur="indefinite" restart="never" nodeType="tmRoot"/>
+      </p:par>
+    </p:tnLst>
+  </p:timing>
+</p:sld>
+</file>
+
+<file path=ppt/slides/slide2.xml><?xml version="1.0" encoding="utf-8"?>
+<p:sld xmlns:a="http://schemas.openxmlformats.org/drawingml/2006/main" xmlns:r="http://schemas.openxmlformats.org/officeDocument/2006/relationships" xmlns:p="http://schemas.openxmlformats.org/presentationml/2006/main">
+  <p:cSld>
+    <p:spTree>
+      <p:nvGrpSpPr>
+        <p:cNvPr id="1" name=""/>
+        <p:cNvGrpSpPr/>
+        <p:nvPr/>
+      </p:nvGrpSpPr>
+      <p:grpSpPr>
+        <a:xfrm>
+          <a:off x="0" y="0"/>
+          <a:ext cx="0" cy="0"/>
+          <a:chOff x="0" y="0"/>
+          <a:chExt cx="0" cy="0"/>
+        </a:xfrm>
+      </p:grpSpPr>
+      <p:sp>
+        <p:nvSpPr>
+          <p:cNvPr id="3" name="Title 2"/>
+          <p:cNvSpPr>
+            <a:spLocks noGrp="1"/>
+          </p:cNvSpPr>
+          <p:nvPr>
+            <p:ph type="title"/>
+          </p:nvPr>
+        </p:nvSpPr>
+        <p:spPr/>
+        <p:txBody>
+          <a:bodyPr/>
+          <a:lstStyle/>
+          <a:p>
+            <a:r>
+              <a:rPr lang="en-US" b="1" dirty="0" smtClean="0"/>
+              <a:t>We will learn</a:t>
+            </a:r>
+            <a:endParaRPr lang="en-US" b="1" dirty="0"/>
+          </a:p>
+        </p:txBody>
+      </p:sp>
+      <p:sp>
+        <p:nvSpPr>
+          <p:cNvPr id="2" name="Content Placeholder 1"/>
+          <p:cNvSpPr>
+            <a:spLocks noGrp="1"/>
+          </p:cNvSpPr>
+          <p:nvPr>
+            <p:ph idx="1"/>
+          </p:nvPr>
+        </p:nvSpPr>
+        <p:spPr/>
+        <p:txBody>
+          <a:bodyPr>
+            <a:normAutofit/>
+          </a:bodyPr>
+          <a:lstStyle/>
+          <a:p>
+            <a:r>
+              <a:rPr lang="en-US" dirty="0" smtClean="0"/>
+              <a:t>How to send EMAILs from your Spring Application</a:t>
+            </a:r>
+          </a:p>
+          <a:p>
+            <a:pPr lvl="2"/>
+            <a:r>
+              <a:rPr lang="en-US" dirty="0" smtClean="0"/>
+              <a:t>GMAIL</a:t>
+            </a:r>
+          </a:p>
+          <a:p>
+            <a:pPr lvl="2"/>
+            <a:r>
+              <a:rPr lang="en-US" dirty="0" smtClean="0"/>
+              <a:t>OUTLOOK</a:t>
+            </a:r>
+          </a:p>
+          <a:p>
+            <a:pPr marL="667512" lvl="2" indent="0">
+              <a:buNone/>
+            </a:pPr>
+            <a:endParaRPr lang="en-US" dirty="0" smtClean="0"/>
+          </a:p>
+          <a:p>
+            <a:r>
+              <a:rPr lang="en-US" dirty="0" smtClean="0"/>
+              <a:t>Handling Text and Rich Texts</a:t>
+            </a:r>
+          </a:p>
+          <a:p>
+            <a:r>
+              <a:rPr lang="en-US" dirty="0" smtClean="0"/>
+              <a:t>Create a </a:t>
+            </a:r>
+            <a:r>
+              <a:rPr lang="en-US" b="1" dirty="0" err="1" smtClean="0"/>
+              <a:t>REST</a:t>
+            </a:r>
+            <a:r>
+              <a:rPr lang="en-US" dirty="0" err="1" smtClean="0"/>
+              <a:t>ful</a:t>
+            </a:r>
+            <a:r>
+              <a:rPr lang="en-US" dirty="0" smtClean="0"/>
+              <a:t> web service that sends email</a:t>
+            </a:r>
+          </a:p>
+          <a:p>
+            <a:r>
+              <a:rPr lang="en-US" b="1" dirty="0" smtClean="0"/>
+              <a:t>Loosely coupled </a:t>
+            </a:r>
+            <a:r>
+              <a:rPr lang="en-US" dirty="0" smtClean="0"/>
+              <a:t>systems</a:t>
+            </a:r>
+          </a:p>
+          <a:p>
+            <a:r>
+              <a:rPr lang="en-US" dirty="0" smtClean="0"/>
+              <a:t>Tightening seat belts-  We’d be flying to the world of </a:t>
+            </a:r>
+            <a:r>
+              <a:rPr lang="en-US" i="1" dirty="0" smtClean="0"/>
+              <a:t>Micro-services </a:t>
+            </a:r>
+            <a:r>
+              <a:rPr lang="en-US" dirty="0" smtClean="0"/>
+              <a:t>in a few days</a:t>
+            </a:r>
+            <a:endParaRPr lang="en-US" i="1" dirty="0"/>
+          </a:p>
+          <a:p>
+            <a:endParaRPr lang="en-US" dirty="0"/>
+          </a:p>
+        </p:txBody>
+      </p:sp>
+      <p:sp>
+        <p:nvSpPr>
+          <p:cNvPr id="4" name="Footer Placeholder 3"/>
+          <p:cNvSpPr>
+            <a:spLocks noGrp="1"/>
+          </p:cNvSpPr>
+          <p:nvPr>
+            <p:ph type="ftr" sz="quarter" idx="11"/>
+          </p:nvPr>
+        </p:nvSpPr>
+        <p:spPr/>
+        <p:txBody>
+          <a:bodyPr/>
+          <a:lstStyle/>
+          <a:p>
+            <a:r>
+              <a:rPr lang="en-US" smtClean="0"/>
+              <a:t>https://github.com/trainerpb</a:t>
+            </a:r>
+            <a:endParaRPr lang="en-US" dirty="0"/>
+          </a:p>
+        </p:txBody>
+      </p:sp>
+      <p:sp>
+        <p:nvSpPr>
+          <p:cNvPr id="5" name="Slide Number Placeholder 4"/>
+          <p:cNvSpPr>
+            <a:spLocks noGrp="1"/>
+          </p:cNvSpPr>
+          <p:nvPr>
+            <p:ph type="sldNum" sz="quarter" idx="12"/>
+          </p:nvPr>
+        </p:nvSpPr>
+        <p:spPr/>
+        <p:txBody>
+          <a:bodyPr/>
+          <a:lstStyle/>
+          <a:p>
+            <a:fld id="{401CF334-2D5C-4859-84A6-CA7E6E43FAEB}" type="slidenum">
+              <a:rPr lang="en-US" smtClean="0"/>
+              <a:t>2</a:t>
+            </a:fld>
+            <a:endParaRPr lang="en-US"/>
+          </a:p>
+        </p:txBody>
+      </p:sp>
+    </p:spTree>
+    <p:extLst>
+      <p:ext uri="{BB962C8B-B14F-4D97-AF65-F5344CB8AC3E}">
+        <p14:creationId xmlns:p14="http://schemas.microsoft.com/office/powerpoint/2010/main" val="1508910272"/>
+      </p:ext>
+    </p:extLst>
+  </p:cSld>
+  <p:clrMapOvr>
+    <a:masterClrMapping/>
+  </p:clrMapOvr>
+  <mc:AlternateContent xmlns:mc="http://schemas.openxmlformats.org/markup-compatibility/2006" xmlns:p14="http://schemas.microsoft.com/office/powerpoint/2010/main">
+    <mc:Choice Requires="p14">
+      <p:transition spd="med" p14:dur="700">
+        <p:fade/>
+      </p:transition>
+    </mc:Choice>
+    <mc:Fallback xmlns="">
+      <p:transition spd="med">
+        <p:fade/>
+      </p:transition>
+    </mc:Fallback>
+  </mc:AlternateContent>
+  <p:timing>
+    <p:tnLst>
+      <p:par>
+        <p:cTn id="1" dur="indefinite" restart="never" nodeType="tmRoot"/>
+      </p:par>
+    </p:tnLst>
+  </p:timing>
+</p:sld>
+</file>
+
+<file path=ppt/slides/slide20.xml><?xml version="1.0" encoding="utf-8"?>
+<p:sld xmlns:a="http://schemas.openxmlformats.org/drawingml/2006/main" xmlns:r="http://schemas.openxmlformats.org/officeDocument/2006/relationships" xmlns:p="http://schemas.openxmlformats.org/presentationml/2006/main">
+  <p:cSld>
+    <p:spTree>
+      <p:nvGrpSpPr>
+        <p:cNvPr id="1" name=""/>
+        <p:cNvGrpSpPr/>
+        <p:nvPr/>
+      </p:nvGrpSpPr>
+      <p:grpSpPr>
+        <a:xfrm>
+          <a:off x="0" y="0"/>
+          <a:ext cx="0" cy="0"/>
+          <a:chOff x="0" y="0"/>
+          <a:chExt cx="0" cy="0"/>
+        </a:xfrm>
+      </p:grpSpPr>
+      <p:sp>
+        <p:nvSpPr>
           <p:cNvPr id="2" name="Title 1"/>
           <p:cNvSpPr>
             <a:spLocks noGrp="1"/>
@@ -8526,7 +9526,7 @@
           <a:p>
             <a:fld id="{401CF334-2D5C-4859-84A6-CA7E6E43FAEB}" type="slidenum">
               <a:rPr lang="en-US" smtClean="0"/>
-              <a:t>18</a:t>
+              <a:t>20</a:t>
             </a:fld>
             <a:endParaRPr lang="en-US"/>
           </a:p>
@@ -8536,220 +9536,6 @@
     <p:extLst>
       <p:ext uri="{BB962C8B-B14F-4D97-AF65-F5344CB8AC3E}">
         <p14:creationId xmlns:p14="http://schemas.microsoft.com/office/powerpoint/2010/main" val="959698098"/>
-      </p:ext>
-    </p:extLst>
-  </p:cSld>
-  <p:clrMapOvr>
-    <a:masterClrMapping/>
-  </p:clrMapOvr>
-  <mc:AlternateContent xmlns:mc="http://schemas.openxmlformats.org/markup-compatibility/2006" xmlns:p14="http://schemas.microsoft.com/office/powerpoint/2010/main">
-    <mc:Choice Requires="p14">
-      <p:transition spd="med" p14:dur="700">
-        <p:fade/>
-      </p:transition>
-    </mc:Choice>
-    <mc:Fallback xmlns="">
-      <p:transition spd="med">
-        <p:fade/>
-      </p:transition>
-    </mc:Fallback>
-  </mc:AlternateContent>
-  <p:timing>
-    <p:tnLst>
-      <p:par>
-        <p:cTn id="1" dur="indefinite" restart="never" nodeType="tmRoot"/>
-      </p:par>
-    </p:tnLst>
-  </p:timing>
-</p:sld>
-</file>
-
-<file path=ppt/slides/slide2.xml><?xml version="1.0" encoding="utf-8"?>
-<p:sld xmlns:a="http://schemas.openxmlformats.org/drawingml/2006/main" xmlns:r="http://schemas.openxmlformats.org/officeDocument/2006/relationships" xmlns:p="http://schemas.openxmlformats.org/presentationml/2006/main">
-  <p:cSld>
-    <p:spTree>
-      <p:nvGrpSpPr>
-        <p:cNvPr id="1" name=""/>
-        <p:cNvGrpSpPr/>
-        <p:nvPr/>
-      </p:nvGrpSpPr>
-      <p:grpSpPr>
-        <a:xfrm>
-          <a:off x="0" y="0"/>
-          <a:ext cx="0" cy="0"/>
-          <a:chOff x="0" y="0"/>
-          <a:chExt cx="0" cy="0"/>
-        </a:xfrm>
-      </p:grpSpPr>
-      <p:sp>
-        <p:nvSpPr>
-          <p:cNvPr id="3" name="Title 2"/>
-          <p:cNvSpPr>
-            <a:spLocks noGrp="1"/>
-          </p:cNvSpPr>
-          <p:nvPr>
-            <p:ph type="title"/>
-          </p:nvPr>
-        </p:nvSpPr>
-        <p:spPr/>
-        <p:txBody>
-          <a:bodyPr/>
-          <a:lstStyle/>
-          <a:p>
-            <a:r>
-              <a:rPr lang="en-US" b="1" dirty="0" smtClean="0"/>
-              <a:t>We will learn</a:t>
-            </a:r>
-            <a:endParaRPr lang="en-US" b="1" dirty="0"/>
-          </a:p>
-        </p:txBody>
-      </p:sp>
-      <p:sp>
-        <p:nvSpPr>
-          <p:cNvPr id="2" name="Content Placeholder 1"/>
-          <p:cNvSpPr>
-            <a:spLocks noGrp="1"/>
-          </p:cNvSpPr>
-          <p:nvPr>
-            <p:ph idx="1"/>
-          </p:nvPr>
-        </p:nvSpPr>
-        <p:spPr/>
-        <p:txBody>
-          <a:bodyPr>
-            <a:normAutofit/>
-          </a:bodyPr>
-          <a:lstStyle/>
-          <a:p>
-            <a:r>
-              <a:rPr lang="en-US" dirty="0" smtClean="0"/>
-              <a:t>How to send EMAILs from your Spring Application</a:t>
-            </a:r>
-          </a:p>
-          <a:p>
-            <a:pPr lvl="2"/>
-            <a:r>
-              <a:rPr lang="en-US" dirty="0" smtClean="0"/>
-              <a:t>GMAIL</a:t>
-            </a:r>
-          </a:p>
-          <a:p>
-            <a:pPr lvl="2"/>
-            <a:r>
-              <a:rPr lang="en-US" dirty="0" smtClean="0"/>
-              <a:t>OUTLOOK</a:t>
-            </a:r>
-          </a:p>
-          <a:p>
-            <a:pPr marL="667512" lvl="2" indent="0">
-              <a:buNone/>
-            </a:pPr>
-            <a:endParaRPr lang="en-US" dirty="0" smtClean="0"/>
-          </a:p>
-          <a:p>
-            <a:r>
-              <a:rPr lang="en-US" dirty="0" smtClean="0"/>
-              <a:t>Handling Text and Rich Texts</a:t>
-            </a:r>
-          </a:p>
-          <a:p>
-            <a:r>
-              <a:rPr lang="en-US" dirty="0" smtClean="0"/>
-              <a:t>Create a </a:t>
-            </a:r>
-            <a:r>
-              <a:rPr lang="en-US" b="1" dirty="0" err="1" smtClean="0"/>
-              <a:t>REST</a:t>
-            </a:r>
-            <a:r>
-              <a:rPr lang="en-US" dirty="0" err="1" smtClean="0"/>
-              <a:t>ful</a:t>
-            </a:r>
-            <a:r>
-              <a:rPr lang="en-US" dirty="0" smtClean="0"/>
-              <a:t> web service that sends email</a:t>
-            </a:r>
-          </a:p>
-          <a:p>
-            <a:r>
-              <a:rPr lang="en-US" b="1" dirty="0" smtClean="0"/>
-              <a:t>Loosely coupled </a:t>
-            </a:r>
-            <a:r>
-              <a:rPr lang="en-US" dirty="0" smtClean="0"/>
-              <a:t>systems</a:t>
-            </a:r>
-          </a:p>
-          <a:p>
-            <a:r>
-              <a:rPr lang="en-US" dirty="0" smtClean="0"/>
-              <a:t>Tightening seat belts-  We’d be flying to the world of </a:t>
-            </a:r>
-            <a:r>
-              <a:rPr lang="en-US" i="1" dirty="0" smtClean="0"/>
-              <a:t>Micro-services </a:t>
-            </a:r>
-            <a:r>
-              <a:rPr lang="en-US" dirty="0" smtClean="0"/>
-              <a:t>in a few days</a:t>
-            </a:r>
-            <a:endParaRPr lang="en-US" i="1" dirty="0"/>
-          </a:p>
-          <a:p>
-            <a:endParaRPr lang="en-US" dirty="0"/>
-          </a:p>
-        </p:txBody>
-      </p:sp>
-      <p:sp>
-        <p:nvSpPr>
-          <p:cNvPr id="4" name="Footer Placeholder 3"/>
-          <p:cNvSpPr>
-            <a:spLocks noGrp="1"/>
-          </p:cNvSpPr>
-          <p:nvPr>
-            <p:ph type="ftr" sz="quarter" idx="11"/>
-          </p:nvPr>
-        </p:nvSpPr>
-        <p:spPr/>
-        <p:txBody>
-          <a:bodyPr/>
-          <a:lstStyle/>
-          <a:p>
-            <a:r>
-              <a:rPr lang="en-US" smtClean="0"/>
-              <a:t>https://github.com/trainerpb</a:t>
-            </a:r>
-            <a:endParaRPr lang="en-US" dirty="0"/>
-          </a:p>
-        </p:txBody>
-      </p:sp>
-      <p:sp>
-        <p:nvSpPr>
-          <p:cNvPr id="5" name="Slide Number Placeholder 4"/>
-          <p:cNvSpPr>
-            <a:spLocks noGrp="1"/>
-          </p:cNvSpPr>
-          <p:nvPr>
-            <p:ph type="sldNum" sz="quarter" idx="12"/>
-          </p:nvPr>
-        </p:nvSpPr>
-        <p:spPr/>
-        <p:txBody>
-          <a:bodyPr/>
-          <a:lstStyle/>
-          <a:p>
-            <a:fld id="{401CF334-2D5C-4859-84A6-CA7E6E43FAEB}" type="slidenum">
-              <a:rPr lang="en-US" smtClean="0"/>
-              <a:t>2</a:t>
-            </a:fld>
-            <a:endParaRPr lang="en-US"/>
-          </a:p>
-        </p:txBody>
-      </p:sp>
-    </p:spTree>
-    <p:extLst>
-      <p:ext uri="{BB962C8B-B14F-4D97-AF65-F5344CB8AC3E}">
-        <p14:creationId xmlns:p14="http://schemas.microsoft.com/office/powerpoint/2010/main" val="1508910272"/>
       </p:ext>
     </p:extLst>
   </p:cSld>
